--- a/Reports/Classifying thyroid disease.pptx
+++ b/Reports/Classifying thyroid disease.pptx
@@ -7,28 +7,25 @@
   <p:sldIdLst>
     <p:sldId id="256" r:id="rId2"/>
     <p:sldId id="258" r:id="rId3"/>
-    <p:sldId id="259" r:id="rId4"/>
-    <p:sldId id="260" r:id="rId5"/>
-    <p:sldId id="261" r:id="rId6"/>
-    <p:sldId id="262" r:id="rId7"/>
-    <p:sldId id="263" r:id="rId8"/>
-    <p:sldId id="264" r:id="rId9"/>
-    <p:sldId id="265" r:id="rId10"/>
-    <p:sldId id="269" r:id="rId11"/>
-    <p:sldId id="266" r:id="rId12"/>
-    <p:sldId id="276" r:id="rId13"/>
-    <p:sldId id="267" r:id="rId14"/>
-    <p:sldId id="270" r:id="rId15"/>
-    <p:sldId id="271" r:id="rId16"/>
-    <p:sldId id="272" r:id="rId17"/>
-    <p:sldId id="273" r:id="rId18"/>
-    <p:sldId id="274" r:id="rId19"/>
-    <p:sldId id="275" r:id="rId20"/>
-    <p:sldId id="277" r:id="rId21"/>
-    <p:sldId id="278" r:id="rId22"/>
-    <p:sldId id="279" r:id="rId23"/>
-    <p:sldId id="280" r:id="rId24"/>
-    <p:sldId id="281" r:id="rId25"/>
+    <p:sldId id="261" r:id="rId4"/>
+    <p:sldId id="262" r:id="rId5"/>
+    <p:sldId id="263" r:id="rId6"/>
+    <p:sldId id="264" r:id="rId7"/>
+    <p:sldId id="265" r:id="rId8"/>
+    <p:sldId id="266" r:id="rId9"/>
+    <p:sldId id="276" r:id="rId10"/>
+    <p:sldId id="267" r:id="rId11"/>
+    <p:sldId id="270" r:id="rId12"/>
+    <p:sldId id="271" r:id="rId13"/>
+    <p:sldId id="272" r:id="rId14"/>
+    <p:sldId id="273" r:id="rId15"/>
+    <p:sldId id="274" r:id="rId16"/>
+    <p:sldId id="275" r:id="rId17"/>
+    <p:sldId id="277" r:id="rId18"/>
+    <p:sldId id="278" r:id="rId19"/>
+    <p:sldId id="279" r:id="rId20"/>
+    <p:sldId id="280" r:id="rId21"/>
+    <p:sldId id="281" r:id="rId22"/>
   </p:sldIdLst>
   <p:sldSz cx="12192000" cy="6858000"/>
   <p:notesSz cx="6858000" cy="9144000"/>
@@ -127,7 +124,16 @@
       </a:defRPr>
     </a:lvl9pPr>
   </p:defaultTextStyle>
+  <p:extLst>
+    <p:ext uri="{EFAFB233-063F-42B5-8137-9DF3F51BA10A}">
+      <p15:sldGuideLst xmlns:p15="http://schemas.microsoft.com/office/powerpoint/2012/main"/>
+    </p:ext>
+  </p:extLst>
 </p:presentation>
+</file>
+
+<file path=ppt/revisionInfo.xml><?xml version="1.0" encoding="utf-8"?>
+<p1510:revInfo xmlns:a="http://schemas.openxmlformats.org/drawingml/2006/main" xmlns:r="http://schemas.openxmlformats.org/officeDocument/2006/relationships" xmlns:p1510="http://schemas.microsoft.com/office/powerpoint/2015/10/main"/>
 </file>
 
 <file path=ppt/slideLayouts/slideLayout1.xml><?xml version="1.0" encoding="utf-8"?>
@@ -278,7 +284,7 @@
             <a:fld id="{B61BEF0D-F0BB-DE4B-95CE-6DB70DBA9567}" type="datetimeFigureOut">
               <a:rPr lang="en-US" smtClean="0"/>
               <a:pPr/>
-              <a:t>5/29/2018</a:t>
+              <a:t>5/30/2018</a:t>
             </a:fld>
             <a:endParaRPr lang="en-US" dirty="0"/>
           </a:p>
@@ -478,7 +484,7 @@
             <a:fld id="{B61BEF0D-F0BB-DE4B-95CE-6DB70DBA9567}" type="datetimeFigureOut">
               <a:rPr lang="en-US" smtClean="0"/>
               <a:pPr/>
-              <a:t>5/29/2018</a:t>
+              <a:t>5/30/2018</a:t>
             </a:fld>
             <a:endParaRPr lang="en-US" dirty="0"/>
           </a:p>
@@ -688,7 +694,7 @@
             <a:fld id="{B61BEF0D-F0BB-DE4B-95CE-6DB70DBA9567}" type="datetimeFigureOut">
               <a:rPr lang="en-US" smtClean="0"/>
               <a:pPr/>
-              <a:t>5/29/2018</a:t>
+              <a:t>5/30/2018</a:t>
             </a:fld>
             <a:endParaRPr lang="en-US" dirty="0"/>
           </a:p>
@@ -888,7 +894,7 @@
             <a:fld id="{B61BEF0D-F0BB-DE4B-95CE-6DB70DBA9567}" type="datetimeFigureOut">
               <a:rPr lang="en-US" smtClean="0"/>
               <a:pPr/>
-              <a:t>5/29/2018</a:t>
+              <a:t>5/30/2018</a:t>
             </a:fld>
             <a:endParaRPr lang="en-US" dirty="0"/>
           </a:p>
@@ -1165,7 +1171,7 @@
             <a:fld id="{B61BEF0D-F0BB-DE4B-95CE-6DB70DBA9567}" type="datetimeFigureOut">
               <a:rPr lang="en-US" smtClean="0"/>
               <a:pPr/>
-              <a:t>5/29/2018</a:t>
+              <a:t>5/30/2018</a:t>
             </a:fld>
             <a:endParaRPr lang="en-US" dirty="0"/>
           </a:p>
@@ -1432,7 +1438,7 @@
             <a:fld id="{B61BEF0D-F0BB-DE4B-95CE-6DB70DBA9567}" type="datetimeFigureOut">
               <a:rPr lang="en-US" smtClean="0"/>
               <a:pPr/>
-              <a:t>5/29/2018</a:t>
+              <a:t>5/30/2018</a:t>
             </a:fld>
             <a:endParaRPr lang="en-US" dirty="0"/>
           </a:p>
@@ -1846,7 +1852,7 @@
             <a:fld id="{B61BEF0D-F0BB-DE4B-95CE-6DB70DBA9567}" type="datetimeFigureOut">
               <a:rPr lang="en-US" smtClean="0"/>
               <a:pPr/>
-              <a:t>5/29/2018</a:t>
+              <a:t>5/30/2018</a:t>
             </a:fld>
             <a:endParaRPr lang="en-US" dirty="0"/>
           </a:p>
@@ -1989,7 +1995,7 @@
             <a:fld id="{B61BEF0D-F0BB-DE4B-95CE-6DB70DBA9567}" type="datetimeFigureOut">
               <a:rPr lang="en-US" smtClean="0"/>
               <a:pPr/>
-              <a:t>5/29/2018</a:t>
+              <a:t>5/30/2018</a:t>
             </a:fld>
             <a:endParaRPr lang="en-US" dirty="0"/>
           </a:p>
@@ -2104,7 +2110,7 @@
             <a:fld id="{B61BEF0D-F0BB-DE4B-95CE-6DB70DBA9567}" type="datetimeFigureOut">
               <a:rPr lang="en-US" smtClean="0"/>
               <a:pPr/>
-              <a:t>5/29/2018</a:t>
+              <a:t>5/30/2018</a:t>
             </a:fld>
             <a:endParaRPr lang="en-US" dirty="0"/>
           </a:p>
@@ -2417,7 +2423,7 @@
             <a:fld id="{B61BEF0D-F0BB-DE4B-95CE-6DB70DBA9567}" type="datetimeFigureOut">
               <a:rPr lang="en-US" smtClean="0"/>
               <a:pPr/>
-              <a:t>5/29/2018</a:t>
+              <a:t>5/30/2018</a:t>
             </a:fld>
             <a:endParaRPr lang="en-US" dirty="0"/>
           </a:p>
@@ -2707,7 +2713,7 @@
             <a:fld id="{B61BEF0D-F0BB-DE4B-95CE-6DB70DBA9567}" type="datetimeFigureOut">
               <a:rPr lang="en-US" smtClean="0"/>
               <a:pPr/>
-              <a:t>5/29/2018</a:t>
+              <a:t>5/30/2018</a:t>
             </a:fld>
             <a:endParaRPr lang="en-US" dirty="0"/>
           </a:p>
@@ -2950,7 +2956,7 @@
             <a:fld id="{B61BEF0D-F0BB-DE4B-95CE-6DB70DBA9567}" type="datetimeFigureOut">
               <a:rPr lang="en-US" smtClean="0"/>
               <a:pPr/>
-              <a:t>5/29/2018</a:t>
+              <a:t>5/30/2018</a:t>
             </a:fld>
             <a:endParaRPr lang="en-US" dirty="0"/>
           </a:p>
@@ -3396,7 +3402,7 @@
           <a:p>
             <a:r>
               <a:rPr lang="en-US" dirty="0"/>
-              <a:t>Classifying Thyroid Disease</a:t>
+              <a:t>Thyroid Classification</a:t>
             </a:r>
           </a:p>
         </p:txBody>
@@ -3481,839 +3487,6 @@
           <p:cNvPr id="2" name="Title 1">
             <a:extLst>
               <a:ext uri="{FF2B5EF4-FFF2-40B4-BE49-F238E27FC236}">
-                <a16:creationId xmlns:a16="http://schemas.microsoft.com/office/drawing/2014/main" id="{834904BF-E995-4F00-AB82-9EE944AAB44C}"/>
-              </a:ext>
-            </a:extLst>
-          </p:cNvPr>
-          <p:cNvSpPr>
-            <a:spLocks noGrp="1"/>
-          </p:cNvSpPr>
-          <p:nvPr>
-            <p:ph type="title"/>
-          </p:nvPr>
-        </p:nvSpPr>
-        <p:spPr/>
-        <p:txBody>
-          <a:bodyPr/>
-          <a:lstStyle/>
-          <a:p>
-            <a:r>
-              <a:rPr lang="en-US" dirty="0"/>
-              <a:t>Modeling &amp; Machine Learning</a:t>
-            </a:r>
-          </a:p>
-        </p:txBody>
-      </p:sp>
-      <p:sp>
-        <p:nvSpPr>
-          <p:cNvPr id="3" name="Content Placeholder 2">
-            <a:extLst>
-              <a:ext uri="{FF2B5EF4-FFF2-40B4-BE49-F238E27FC236}">
-                <a16:creationId xmlns:a16="http://schemas.microsoft.com/office/drawing/2014/main" id="{DF88E030-5D0C-41DD-93DE-EE7207A02B10}"/>
-              </a:ext>
-            </a:extLst>
-          </p:cNvPr>
-          <p:cNvSpPr>
-            <a:spLocks noGrp="1"/>
-          </p:cNvSpPr>
-          <p:nvPr>
-            <p:ph idx="1"/>
-          </p:nvPr>
-        </p:nvSpPr>
-        <p:spPr/>
-        <p:txBody>
-          <a:bodyPr/>
-          <a:lstStyle/>
-          <a:p>
-            <a:endParaRPr lang="en-US"/>
-          </a:p>
-        </p:txBody>
-      </p:sp>
-    </p:spTree>
-    <p:extLst>
-      <p:ext uri="{BB962C8B-B14F-4D97-AF65-F5344CB8AC3E}">
-        <p14:creationId xmlns:p14="http://schemas.microsoft.com/office/powerpoint/2010/main" val="2309222589"/>
-      </p:ext>
-    </p:extLst>
-  </p:cSld>
-  <p:clrMapOvr>
-    <a:masterClrMapping/>
-  </p:clrMapOvr>
-</p:sld>
-</file>
-
-<file path=ppt/slides/slide11.xml><?xml version="1.0" encoding="utf-8"?>
-<p:sld xmlns:a="http://schemas.openxmlformats.org/drawingml/2006/main" xmlns:r="http://schemas.openxmlformats.org/officeDocument/2006/relationships" xmlns:p="http://schemas.openxmlformats.org/presentationml/2006/main">
-  <p:cSld>
-    <p:spTree>
-      <p:nvGrpSpPr>
-        <p:cNvPr id="1" name=""/>
-        <p:cNvGrpSpPr/>
-        <p:nvPr/>
-      </p:nvGrpSpPr>
-      <p:grpSpPr>
-        <a:xfrm>
-          <a:off x="0" y="0"/>
-          <a:ext cx="0" cy="0"/>
-          <a:chOff x="0" y="0"/>
-          <a:chExt cx="0" cy="0"/>
-        </a:xfrm>
-      </p:grpSpPr>
-      <p:sp>
-        <p:nvSpPr>
-          <p:cNvPr id="2" name="Title 1">
-            <a:extLst>
-              <a:ext uri="{FF2B5EF4-FFF2-40B4-BE49-F238E27FC236}">
-                <a16:creationId xmlns:a16="http://schemas.microsoft.com/office/drawing/2014/main" id="{6CD7F541-3CCA-4A3A-9E24-5EB4A9271B7C}"/>
-              </a:ext>
-            </a:extLst>
-          </p:cNvPr>
-          <p:cNvSpPr>
-            <a:spLocks noGrp="1"/>
-          </p:cNvSpPr>
-          <p:nvPr>
-            <p:ph type="title"/>
-          </p:nvPr>
-        </p:nvSpPr>
-        <p:spPr/>
-        <p:txBody>
-          <a:bodyPr/>
-          <a:lstStyle/>
-          <a:p>
-            <a:r>
-              <a:rPr lang="en-US" dirty="0"/>
-              <a:t>Overview</a:t>
-            </a:r>
-          </a:p>
-        </p:txBody>
-      </p:sp>
-      <p:sp>
-        <p:nvSpPr>
-          <p:cNvPr id="3" name="Content Placeholder 2">
-            <a:extLst>
-              <a:ext uri="{FF2B5EF4-FFF2-40B4-BE49-F238E27FC236}">
-                <a16:creationId xmlns:a16="http://schemas.microsoft.com/office/drawing/2014/main" id="{2AF6FF7C-5AE0-4C3E-A22F-2E8792F50FFF}"/>
-              </a:ext>
-            </a:extLst>
-          </p:cNvPr>
-          <p:cNvSpPr>
-            <a:spLocks noGrp="1"/>
-          </p:cNvSpPr>
-          <p:nvPr>
-            <p:ph idx="1"/>
-          </p:nvPr>
-        </p:nvSpPr>
-        <p:spPr/>
-        <p:txBody>
-          <a:bodyPr/>
-          <a:lstStyle/>
-          <a:p>
-            <a:r>
-              <a:rPr lang="en-US" dirty="0"/>
-              <a:t>Supervised learning</a:t>
-            </a:r>
-          </a:p>
-          <a:p>
-            <a:r>
-              <a:rPr lang="en-US" dirty="0"/>
-              <a:t>Multi-class Classification problem (3 classes)</a:t>
-            </a:r>
-          </a:p>
-          <a:p>
-            <a:r>
-              <a:rPr lang="en-US" dirty="0"/>
-              <a:t>Highly imbalanced data (~7.5% has thyroid disease)</a:t>
-            </a:r>
-          </a:p>
-          <a:p>
-            <a:r>
-              <a:rPr lang="en-US" dirty="0"/>
-              <a:t>Tools used: Python 3, </a:t>
-            </a:r>
-            <a:r>
-              <a:rPr lang="en-US" dirty="0" err="1"/>
-              <a:t>Jupyter</a:t>
-            </a:r>
-            <a:r>
-              <a:rPr lang="en-US" dirty="0"/>
-              <a:t> Notebook</a:t>
-            </a:r>
-          </a:p>
-          <a:p>
-            <a:r>
-              <a:rPr lang="en-US" dirty="0"/>
-              <a:t>Libraries used: </a:t>
-            </a:r>
-            <a:r>
-              <a:rPr lang="en-US" dirty="0" err="1"/>
-              <a:t>Scikit</a:t>
-            </a:r>
-            <a:r>
-              <a:rPr lang="en-US" dirty="0"/>
-              <a:t>-learn, </a:t>
-            </a:r>
-            <a:r>
-              <a:rPr lang="en-US" dirty="0" err="1"/>
-              <a:t>imblearn</a:t>
-            </a:r>
-            <a:endParaRPr lang="en-US" dirty="0"/>
-          </a:p>
-          <a:p>
-            <a:endParaRPr lang="en-US" dirty="0"/>
-          </a:p>
-        </p:txBody>
-      </p:sp>
-    </p:spTree>
-    <p:extLst>
-      <p:ext uri="{BB962C8B-B14F-4D97-AF65-F5344CB8AC3E}">
-        <p14:creationId xmlns:p14="http://schemas.microsoft.com/office/powerpoint/2010/main" val="4207628761"/>
-      </p:ext>
-    </p:extLst>
-  </p:cSld>
-  <p:clrMapOvr>
-    <a:masterClrMapping/>
-  </p:clrMapOvr>
-  <p:timing>
-    <p:tnLst>
-      <p:par>
-        <p:cTn id="1" dur="indefinite" restart="never" nodeType="tmRoot">
-          <p:childTnLst>
-            <p:seq concurrent="1" nextAc="seek">
-              <p:cTn id="2" dur="indefinite" nodeType="mainSeq">
-                <p:childTnLst>
-                  <p:par>
-                    <p:cTn id="3" fill="hold">
-                      <p:stCondLst>
-                        <p:cond delay="indefinite"/>
-                      </p:stCondLst>
-                      <p:childTnLst>
-                        <p:par>
-                          <p:cTn id="4" fill="hold">
-                            <p:stCondLst>
-                              <p:cond delay="0"/>
-                            </p:stCondLst>
-                            <p:childTnLst>
-                              <p:par>
-                                <p:cTn id="5" presetID="1" presetClass="entr" presetSubtype="0" fill="hold" nodeType="clickEffect">
-                                  <p:stCondLst>
-                                    <p:cond delay="0"/>
-                                  </p:stCondLst>
-                                  <p:childTnLst>
-                                    <p:set>
-                                      <p:cBhvr>
-                                        <p:cTn id="6" dur="1" fill="hold">
-                                          <p:stCondLst>
-                                            <p:cond delay="0"/>
-                                          </p:stCondLst>
-                                        </p:cTn>
-                                        <p:tgtEl>
-                                          <p:spTgt spid="3">
-                                            <p:txEl>
-                                              <p:pRg st="0" end="0"/>
-                                            </p:txEl>
-                                          </p:spTgt>
-                                        </p:tgtEl>
-                                        <p:attrNameLst>
-                                          <p:attrName>style.visibility</p:attrName>
-                                        </p:attrNameLst>
-                                      </p:cBhvr>
-                                      <p:to>
-                                        <p:strVal val="visible"/>
-                                      </p:to>
-                                    </p:set>
-                                  </p:childTnLst>
-                                </p:cTn>
-                              </p:par>
-                            </p:childTnLst>
-                          </p:cTn>
-                        </p:par>
-                      </p:childTnLst>
-                    </p:cTn>
-                  </p:par>
-                  <p:par>
-                    <p:cTn id="7" fill="hold">
-                      <p:stCondLst>
-                        <p:cond delay="indefinite"/>
-                      </p:stCondLst>
-                      <p:childTnLst>
-                        <p:par>
-                          <p:cTn id="8" fill="hold">
-                            <p:stCondLst>
-                              <p:cond delay="0"/>
-                            </p:stCondLst>
-                            <p:childTnLst>
-                              <p:par>
-                                <p:cTn id="9" presetID="1" presetClass="entr" presetSubtype="0" fill="hold" nodeType="clickEffect">
-                                  <p:stCondLst>
-                                    <p:cond delay="0"/>
-                                  </p:stCondLst>
-                                  <p:childTnLst>
-                                    <p:set>
-                                      <p:cBhvr>
-                                        <p:cTn id="10" dur="1" fill="hold">
-                                          <p:stCondLst>
-                                            <p:cond delay="0"/>
-                                          </p:stCondLst>
-                                        </p:cTn>
-                                        <p:tgtEl>
-                                          <p:spTgt spid="3">
-                                            <p:txEl>
-                                              <p:pRg st="1" end="1"/>
-                                            </p:txEl>
-                                          </p:spTgt>
-                                        </p:tgtEl>
-                                        <p:attrNameLst>
-                                          <p:attrName>style.visibility</p:attrName>
-                                        </p:attrNameLst>
-                                      </p:cBhvr>
-                                      <p:to>
-                                        <p:strVal val="visible"/>
-                                      </p:to>
-                                    </p:set>
-                                  </p:childTnLst>
-                                </p:cTn>
-                              </p:par>
-                            </p:childTnLst>
-                          </p:cTn>
-                        </p:par>
-                      </p:childTnLst>
-                    </p:cTn>
-                  </p:par>
-                  <p:par>
-                    <p:cTn id="11" fill="hold">
-                      <p:stCondLst>
-                        <p:cond delay="indefinite"/>
-                      </p:stCondLst>
-                      <p:childTnLst>
-                        <p:par>
-                          <p:cTn id="12" fill="hold">
-                            <p:stCondLst>
-                              <p:cond delay="0"/>
-                            </p:stCondLst>
-                            <p:childTnLst>
-                              <p:par>
-                                <p:cTn id="13" presetID="1" presetClass="entr" presetSubtype="0" fill="hold" nodeType="clickEffect">
-                                  <p:stCondLst>
-                                    <p:cond delay="0"/>
-                                  </p:stCondLst>
-                                  <p:childTnLst>
-                                    <p:set>
-                                      <p:cBhvr>
-                                        <p:cTn id="14" dur="1" fill="hold">
-                                          <p:stCondLst>
-                                            <p:cond delay="0"/>
-                                          </p:stCondLst>
-                                        </p:cTn>
-                                        <p:tgtEl>
-                                          <p:spTgt spid="3">
-                                            <p:txEl>
-                                              <p:pRg st="2" end="2"/>
-                                            </p:txEl>
-                                          </p:spTgt>
-                                        </p:tgtEl>
-                                        <p:attrNameLst>
-                                          <p:attrName>style.visibility</p:attrName>
-                                        </p:attrNameLst>
-                                      </p:cBhvr>
-                                      <p:to>
-                                        <p:strVal val="visible"/>
-                                      </p:to>
-                                    </p:set>
-                                  </p:childTnLst>
-                                </p:cTn>
-                              </p:par>
-                            </p:childTnLst>
-                          </p:cTn>
-                        </p:par>
-                      </p:childTnLst>
-                    </p:cTn>
-                  </p:par>
-                  <p:par>
-                    <p:cTn id="15" fill="hold">
-                      <p:stCondLst>
-                        <p:cond delay="indefinite"/>
-                      </p:stCondLst>
-                      <p:childTnLst>
-                        <p:par>
-                          <p:cTn id="16" fill="hold">
-                            <p:stCondLst>
-                              <p:cond delay="0"/>
-                            </p:stCondLst>
-                            <p:childTnLst>
-                              <p:par>
-                                <p:cTn id="17" presetID="1" presetClass="entr" presetSubtype="0" fill="hold" nodeType="clickEffect">
-                                  <p:stCondLst>
-                                    <p:cond delay="0"/>
-                                  </p:stCondLst>
-                                  <p:childTnLst>
-                                    <p:set>
-                                      <p:cBhvr>
-                                        <p:cTn id="18" dur="1" fill="hold">
-                                          <p:stCondLst>
-                                            <p:cond delay="0"/>
-                                          </p:stCondLst>
-                                        </p:cTn>
-                                        <p:tgtEl>
-                                          <p:spTgt spid="3">
-                                            <p:txEl>
-                                              <p:pRg st="3" end="3"/>
-                                            </p:txEl>
-                                          </p:spTgt>
-                                        </p:tgtEl>
-                                        <p:attrNameLst>
-                                          <p:attrName>style.visibility</p:attrName>
-                                        </p:attrNameLst>
-                                      </p:cBhvr>
-                                      <p:to>
-                                        <p:strVal val="visible"/>
-                                      </p:to>
-                                    </p:set>
-                                  </p:childTnLst>
-                                </p:cTn>
-                              </p:par>
-                            </p:childTnLst>
-                          </p:cTn>
-                        </p:par>
-                      </p:childTnLst>
-                    </p:cTn>
-                  </p:par>
-                  <p:par>
-                    <p:cTn id="19" fill="hold">
-                      <p:stCondLst>
-                        <p:cond delay="indefinite"/>
-                      </p:stCondLst>
-                      <p:childTnLst>
-                        <p:par>
-                          <p:cTn id="20" fill="hold">
-                            <p:stCondLst>
-                              <p:cond delay="0"/>
-                            </p:stCondLst>
-                            <p:childTnLst>
-                              <p:par>
-                                <p:cTn id="21" presetID="1" presetClass="entr" presetSubtype="0" fill="hold" nodeType="clickEffect">
-                                  <p:stCondLst>
-                                    <p:cond delay="0"/>
-                                  </p:stCondLst>
-                                  <p:childTnLst>
-                                    <p:set>
-                                      <p:cBhvr>
-                                        <p:cTn id="22" dur="1" fill="hold">
-                                          <p:stCondLst>
-                                            <p:cond delay="0"/>
-                                          </p:stCondLst>
-                                        </p:cTn>
-                                        <p:tgtEl>
-                                          <p:spTgt spid="3">
-                                            <p:txEl>
-                                              <p:pRg st="4" end="4"/>
-                                            </p:txEl>
-                                          </p:spTgt>
-                                        </p:tgtEl>
-                                        <p:attrNameLst>
-                                          <p:attrName>style.visibility</p:attrName>
-                                        </p:attrNameLst>
-                                      </p:cBhvr>
-                                      <p:to>
-                                        <p:strVal val="visible"/>
-                                      </p:to>
-                                    </p:set>
-                                  </p:childTnLst>
-                                </p:cTn>
-                              </p:par>
-                            </p:childTnLst>
-                          </p:cTn>
-                        </p:par>
-                      </p:childTnLst>
-                    </p:cTn>
-                  </p:par>
-                </p:childTnLst>
-              </p:cTn>
-              <p:prevCondLst>
-                <p:cond evt="onPrev" delay="0">
-                  <p:tgtEl>
-                    <p:sldTgt/>
-                  </p:tgtEl>
-                </p:cond>
-              </p:prevCondLst>
-              <p:nextCondLst>
-                <p:cond evt="onNext" delay="0">
-                  <p:tgtEl>
-                    <p:sldTgt/>
-                  </p:tgtEl>
-                </p:cond>
-              </p:nextCondLst>
-            </p:seq>
-          </p:childTnLst>
-        </p:cTn>
-      </p:par>
-    </p:tnLst>
-  </p:timing>
-</p:sld>
-</file>
-
-<file path=ppt/slides/slide12.xml><?xml version="1.0" encoding="utf-8"?>
-<p:sld xmlns:a="http://schemas.openxmlformats.org/drawingml/2006/main" xmlns:r="http://schemas.openxmlformats.org/officeDocument/2006/relationships" xmlns:p="http://schemas.openxmlformats.org/presentationml/2006/main">
-  <p:cSld>
-    <p:spTree>
-      <p:nvGrpSpPr>
-        <p:cNvPr id="1" name=""/>
-        <p:cNvGrpSpPr/>
-        <p:nvPr/>
-      </p:nvGrpSpPr>
-      <p:grpSpPr>
-        <a:xfrm>
-          <a:off x="0" y="0"/>
-          <a:ext cx="0" cy="0"/>
-          <a:chOff x="0" y="0"/>
-          <a:chExt cx="0" cy="0"/>
-        </a:xfrm>
-      </p:grpSpPr>
-      <p:sp>
-        <p:nvSpPr>
-          <p:cNvPr id="2" name="Title 1">
-            <a:extLst>
-              <a:ext uri="{FF2B5EF4-FFF2-40B4-BE49-F238E27FC236}">
-                <a16:creationId xmlns:a16="http://schemas.microsoft.com/office/drawing/2014/main" id="{4757F1B0-73D8-449D-BD10-B740416F2C0B}"/>
-              </a:ext>
-            </a:extLst>
-          </p:cNvPr>
-          <p:cNvSpPr>
-            <a:spLocks noGrp="1"/>
-          </p:cNvSpPr>
-          <p:nvPr>
-            <p:ph type="title"/>
-          </p:nvPr>
-        </p:nvSpPr>
-        <p:spPr/>
-        <p:txBody>
-          <a:bodyPr/>
-          <a:lstStyle/>
-          <a:p>
-            <a:r>
-              <a:rPr lang="en-US" dirty="0"/>
-              <a:t>Resampling Techniques used</a:t>
-            </a:r>
-          </a:p>
-        </p:txBody>
-      </p:sp>
-      <p:sp>
-        <p:nvSpPr>
-          <p:cNvPr id="3" name="Content Placeholder 2">
-            <a:extLst>
-              <a:ext uri="{FF2B5EF4-FFF2-40B4-BE49-F238E27FC236}">
-                <a16:creationId xmlns:a16="http://schemas.microsoft.com/office/drawing/2014/main" id="{1EA8BBF6-0A85-494A-804E-65D7D5207497}"/>
-              </a:ext>
-            </a:extLst>
-          </p:cNvPr>
-          <p:cNvSpPr>
-            <a:spLocks noGrp="1"/>
-          </p:cNvSpPr>
-          <p:nvPr>
-            <p:ph idx="1"/>
-          </p:nvPr>
-        </p:nvSpPr>
-        <p:spPr/>
-        <p:txBody>
-          <a:bodyPr/>
-          <a:lstStyle/>
-          <a:p>
-            <a:r>
-              <a:rPr lang="en-US" dirty="0"/>
-              <a:t>Resampling techniques using </a:t>
-            </a:r>
-            <a:r>
-              <a:rPr lang="en-US" dirty="0" err="1"/>
-              <a:t>imblearn</a:t>
-            </a:r>
-            <a:r>
-              <a:rPr lang="en-US" dirty="0"/>
-              <a:t>.</a:t>
-            </a:r>
-          </a:p>
-          <a:p>
-            <a:pPr lvl="1"/>
-            <a:r>
-              <a:rPr lang="en-US" dirty="0"/>
-              <a:t>Synthetic Minority Over-sampling (SMOTE)</a:t>
-            </a:r>
-          </a:p>
-          <a:p>
-            <a:pPr lvl="1"/>
-            <a:r>
-              <a:rPr lang="en-US" dirty="0"/>
-              <a:t>Random Under Sampler</a:t>
-            </a:r>
-          </a:p>
-          <a:p>
-            <a:pPr lvl="1"/>
-            <a:r>
-              <a:rPr lang="en-US" dirty="0"/>
-              <a:t>Combine over- and under-sampling using SMOTE and Edited Nearest Neighbors (SMOTEENN)</a:t>
-            </a:r>
-          </a:p>
-        </p:txBody>
-      </p:sp>
-    </p:spTree>
-    <p:extLst>
-      <p:ext uri="{BB962C8B-B14F-4D97-AF65-F5344CB8AC3E}">
-        <p14:creationId xmlns:p14="http://schemas.microsoft.com/office/powerpoint/2010/main" val="2741750016"/>
-      </p:ext>
-    </p:extLst>
-  </p:cSld>
-  <p:clrMapOvr>
-    <a:masterClrMapping/>
-  </p:clrMapOvr>
-  <p:timing>
-    <p:tnLst>
-      <p:par>
-        <p:cTn id="1" dur="indefinite" restart="never" nodeType="tmRoot">
-          <p:childTnLst>
-            <p:seq concurrent="1" nextAc="seek">
-              <p:cTn id="2" dur="indefinite" nodeType="mainSeq">
-                <p:childTnLst>
-                  <p:par>
-                    <p:cTn id="3" fill="hold">
-                      <p:stCondLst>
-                        <p:cond delay="indefinite"/>
-                      </p:stCondLst>
-                      <p:childTnLst>
-                        <p:par>
-                          <p:cTn id="4" fill="hold">
-                            <p:stCondLst>
-                              <p:cond delay="0"/>
-                            </p:stCondLst>
-                            <p:childTnLst>
-                              <p:par>
-                                <p:cTn id="5" presetID="1" presetClass="entr" presetSubtype="0" fill="hold" nodeType="clickEffect">
-                                  <p:stCondLst>
-                                    <p:cond delay="0"/>
-                                  </p:stCondLst>
-                                  <p:childTnLst>
-                                    <p:set>
-                                      <p:cBhvr>
-                                        <p:cTn id="6" dur="1" fill="hold">
-                                          <p:stCondLst>
-                                            <p:cond delay="0"/>
-                                          </p:stCondLst>
-                                        </p:cTn>
-                                        <p:tgtEl>
-                                          <p:spTgt spid="3">
-                                            <p:txEl>
-                                              <p:pRg st="0" end="0"/>
-                                            </p:txEl>
-                                          </p:spTgt>
-                                        </p:tgtEl>
-                                        <p:attrNameLst>
-                                          <p:attrName>style.visibility</p:attrName>
-                                        </p:attrNameLst>
-                                      </p:cBhvr>
-                                      <p:to>
-                                        <p:strVal val="visible"/>
-                                      </p:to>
-                                    </p:set>
-                                  </p:childTnLst>
-                                </p:cTn>
-                              </p:par>
-                            </p:childTnLst>
-                          </p:cTn>
-                        </p:par>
-                      </p:childTnLst>
-                    </p:cTn>
-                  </p:par>
-                  <p:par>
-                    <p:cTn id="7" fill="hold">
-                      <p:stCondLst>
-                        <p:cond delay="indefinite"/>
-                      </p:stCondLst>
-                      <p:childTnLst>
-                        <p:par>
-                          <p:cTn id="8" fill="hold">
-                            <p:stCondLst>
-                              <p:cond delay="0"/>
-                            </p:stCondLst>
-                            <p:childTnLst>
-                              <p:par>
-                                <p:cTn id="9" presetID="1" presetClass="entr" presetSubtype="0" fill="hold" nodeType="clickEffect">
-                                  <p:stCondLst>
-                                    <p:cond delay="0"/>
-                                  </p:stCondLst>
-                                  <p:childTnLst>
-                                    <p:set>
-                                      <p:cBhvr>
-                                        <p:cTn id="10" dur="1" fill="hold">
-                                          <p:stCondLst>
-                                            <p:cond delay="0"/>
-                                          </p:stCondLst>
-                                        </p:cTn>
-                                        <p:tgtEl>
-                                          <p:spTgt spid="3">
-                                            <p:txEl>
-                                              <p:pRg st="1" end="1"/>
-                                            </p:txEl>
-                                          </p:spTgt>
-                                        </p:tgtEl>
-                                        <p:attrNameLst>
-                                          <p:attrName>style.visibility</p:attrName>
-                                        </p:attrNameLst>
-                                      </p:cBhvr>
-                                      <p:to>
-                                        <p:strVal val="visible"/>
-                                      </p:to>
-                                    </p:set>
-                                  </p:childTnLst>
-                                </p:cTn>
-                              </p:par>
-                            </p:childTnLst>
-                          </p:cTn>
-                        </p:par>
-                      </p:childTnLst>
-                    </p:cTn>
-                  </p:par>
-                  <p:par>
-                    <p:cTn id="11" fill="hold">
-                      <p:stCondLst>
-                        <p:cond delay="indefinite"/>
-                      </p:stCondLst>
-                      <p:childTnLst>
-                        <p:par>
-                          <p:cTn id="12" fill="hold">
-                            <p:stCondLst>
-                              <p:cond delay="0"/>
-                            </p:stCondLst>
-                            <p:childTnLst>
-                              <p:par>
-                                <p:cTn id="13" presetID="1" presetClass="entr" presetSubtype="0" fill="hold" nodeType="clickEffect">
-                                  <p:stCondLst>
-                                    <p:cond delay="0"/>
-                                  </p:stCondLst>
-                                  <p:childTnLst>
-                                    <p:set>
-                                      <p:cBhvr>
-                                        <p:cTn id="14" dur="1" fill="hold">
-                                          <p:stCondLst>
-                                            <p:cond delay="0"/>
-                                          </p:stCondLst>
-                                        </p:cTn>
-                                        <p:tgtEl>
-                                          <p:spTgt spid="3">
-                                            <p:txEl>
-                                              <p:pRg st="2" end="2"/>
-                                            </p:txEl>
-                                          </p:spTgt>
-                                        </p:tgtEl>
-                                        <p:attrNameLst>
-                                          <p:attrName>style.visibility</p:attrName>
-                                        </p:attrNameLst>
-                                      </p:cBhvr>
-                                      <p:to>
-                                        <p:strVal val="visible"/>
-                                      </p:to>
-                                    </p:set>
-                                  </p:childTnLst>
-                                </p:cTn>
-                              </p:par>
-                            </p:childTnLst>
-                          </p:cTn>
-                        </p:par>
-                      </p:childTnLst>
-                    </p:cTn>
-                  </p:par>
-                  <p:par>
-                    <p:cTn id="15" fill="hold">
-                      <p:stCondLst>
-                        <p:cond delay="indefinite"/>
-                      </p:stCondLst>
-                      <p:childTnLst>
-                        <p:par>
-                          <p:cTn id="16" fill="hold">
-                            <p:stCondLst>
-                              <p:cond delay="0"/>
-                            </p:stCondLst>
-                            <p:childTnLst>
-                              <p:par>
-                                <p:cTn id="17" presetID="1" presetClass="entr" presetSubtype="0" fill="hold" nodeType="clickEffect">
-                                  <p:stCondLst>
-                                    <p:cond delay="0"/>
-                                  </p:stCondLst>
-                                  <p:childTnLst>
-                                    <p:set>
-                                      <p:cBhvr>
-                                        <p:cTn id="18" dur="1" fill="hold">
-                                          <p:stCondLst>
-                                            <p:cond delay="0"/>
-                                          </p:stCondLst>
-                                        </p:cTn>
-                                        <p:tgtEl>
-                                          <p:spTgt spid="3">
-                                            <p:txEl>
-                                              <p:pRg st="3" end="3"/>
-                                            </p:txEl>
-                                          </p:spTgt>
-                                        </p:tgtEl>
-                                        <p:attrNameLst>
-                                          <p:attrName>style.visibility</p:attrName>
-                                        </p:attrNameLst>
-                                      </p:cBhvr>
-                                      <p:to>
-                                        <p:strVal val="visible"/>
-                                      </p:to>
-                                    </p:set>
-                                  </p:childTnLst>
-                                </p:cTn>
-                              </p:par>
-                            </p:childTnLst>
-                          </p:cTn>
-                        </p:par>
-                      </p:childTnLst>
-                    </p:cTn>
-                  </p:par>
-                </p:childTnLst>
-              </p:cTn>
-              <p:prevCondLst>
-                <p:cond evt="onPrev" delay="0">
-                  <p:tgtEl>
-                    <p:sldTgt/>
-                  </p:tgtEl>
-                </p:cond>
-              </p:prevCondLst>
-              <p:nextCondLst>
-                <p:cond evt="onNext" delay="0">
-                  <p:tgtEl>
-                    <p:sldTgt/>
-                  </p:tgtEl>
-                </p:cond>
-              </p:nextCondLst>
-            </p:seq>
-          </p:childTnLst>
-        </p:cTn>
-      </p:par>
-    </p:tnLst>
-  </p:timing>
-</p:sld>
-</file>
-
-<file path=ppt/slides/slide13.xml><?xml version="1.0" encoding="utf-8"?>
-<p:sld xmlns:a="http://schemas.openxmlformats.org/drawingml/2006/main" xmlns:r="http://schemas.openxmlformats.org/officeDocument/2006/relationships" xmlns:p="http://schemas.openxmlformats.org/presentationml/2006/main">
-  <p:cSld>
-    <p:spTree>
-      <p:nvGrpSpPr>
-        <p:cNvPr id="1" name=""/>
-        <p:cNvGrpSpPr/>
-        <p:nvPr/>
-      </p:nvGrpSpPr>
-      <p:grpSpPr>
-        <a:xfrm>
-          <a:off x="0" y="0"/>
-          <a:ext cx="0" cy="0"/>
-          <a:chOff x="0" y="0"/>
-          <a:chExt cx="0" cy="0"/>
-        </a:xfrm>
-      </p:grpSpPr>
-      <p:sp>
-        <p:nvSpPr>
-          <p:cNvPr id="2" name="Title 1">
-            <a:extLst>
-              <a:ext uri="{FF2B5EF4-FFF2-40B4-BE49-F238E27FC236}">
                 <a16:creationId xmlns:a16="http://schemas.microsoft.com/office/drawing/2014/main" id="{6CD7F541-3CCA-4A3A-9E24-5EB4A9271B7C}"/>
               </a:ext>
             </a:extLst>
@@ -4360,6 +3533,9 @@
           </a:bodyPr>
           <a:lstStyle/>
           <a:p>
+            <a:pPr marL="0" indent="0">
+              <a:buNone/>
+            </a:pPr>
             <a:r>
               <a:rPr lang="en-US" dirty="0"/>
               <a:t>Logistic Regression</a:t>
@@ -4387,6 +3563,9 @@
             </a:r>
           </a:p>
           <a:p>
+            <a:pPr marL="0" indent="0">
+              <a:buNone/>
+            </a:pPr>
             <a:r>
               <a:rPr lang="en-US" dirty="0"/>
               <a:t>Random Forest Classifier</a:t>
@@ -4911,7 +4090,7 @@
 </p:sld>
 </file>
 
-<file path=ppt/slides/slide14.xml><?xml version="1.0" encoding="utf-8"?>
+<file path=ppt/slides/slide11.xml><?xml version="1.0" encoding="utf-8"?>
 <p:sld xmlns:a="http://schemas.openxmlformats.org/drawingml/2006/main" xmlns:r="http://schemas.openxmlformats.org/officeDocument/2006/relationships" xmlns:p="http://schemas.openxmlformats.org/presentationml/2006/main">
   <p:cSld>
     <p:spTree>
@@ -5024,7 +4203,7 @@
         </p:blipFill>
         <p:spPr bwMode="auto">
           <a:xfrm>
-            <a:off x="5636702" y="-1"/>
+            <a:off x="5636702" y="-44389"/>
             <a:ext cx="6555297" cy="6761527"/>
           </a:xfrm>
           <a:prstGeom prst="rect">
@@ -5236,11 +4415,11 @@
   <p:clrMapOvr>
     <a:masterClrMapping/>
   </p:clrMapOvr>
-  <mc:AlternateContent xmlns:mc="http://schemas.openxmlformats.org/markup-compatibility/2006">
-    <mc:Choice xmlns:p14="http://schemas.microsoft.com/office/powerpoint/2010/main" Requires="p14">
+  <mc:AlternateContent xmlns:mc="http://schemas.openxmlformats.org/markup-compatibility/2006" xmlns:p14="http://schemas.microsoft.com/office/powerpoint/2010/main">
+    <mc:Choice Requires="p14">
       <p:transition p14:dur="10"/>
     </mc:Choice>
-    <mc:Fallback>
+    <mc:Fallback xmlns="">
       <p:transition/>
     </mc:Fallback>
   </mc:AlternateContent>
@@ -5278,11 +4457,7 @@
                                           </p:stCondLst>
                                         </p:cTn>
                                         <p:tgtEl>
-                                          <p:spTgt spid="6">
-                                            <p:txEl>
-                                              <p:pRg st="0" end="0"/>
-                                            </p:txEl>
-                                          </p:spTgt>
+                                          <p:spTgt spid="7"/>
                                         </p:tgtEl>
                                         <p:attrNameLst>
                                           <p:attrName>style.visibility</p:attrName>
@@ -5314,7 +4489,7 @@
                             </p:stCondLst>
                             <p:childTnLst>
                               <p:par>
-                                <p:cTn id="9" presetID="53" presetClass="entr" presetSubtype="16" fill="hold" grpId="0" nodeType="clickEffect">
+                                <p:cTn id="9" presetID="1" presetClass="entr" presetSubtype="0" fill="hold" nodeType="clickEffect">
                                   <p:stCondLst>
                                     <p:cond delay="0"/>
                                   </p:stCondLst>
@@ -5322,6 +4497,55 @@
                                     <p:set>
                                       <p:cBhvr>
                                         <p:cTn id="10" dur="1" fill="hold">
+                                          <p:stCondLst>
+                                            <p:cond delay="0"/>
+                                          </p:stCondLst>
+                                        </p:cTn>
+                                        <p:tgtEl>
+                                          <p:spTgt spid="6">
+                                            <p:txEl>
+                                              <p:pRg st="0" end="0"/>
+                                            </p:txEl>
+                                          </p:spTgt>
+                                        </p:tgtEl>
+                                        <p:attrNameLst>
+                                          <p:attrName>style.visibility</p:attrName>
+                                        </p:attrNameLst>
+                                      </p:cBhvr>
+                                      <p:to>
+                                        <p:strVal val="visible"/>
+                                      </p:to>
+                                    </p:set>
+                                  </p:childTnLst>
+                                </p:cTn>
+                              </p:par>
+                            </p:childTnLst>
+                          </p:cTn>
+                        </p:par>
+                      </p:childTnLst>
+                    </p:cTn>
+                  </p:par>
+                  <p:par>
+                    <p:cTn id="11" fill="hold">
+                      <p:stCondLst>
+                        <p:cond delay="indefinite"/>
+                      </p:stCondLst>
+                      <p:childTnLst>
+                        <p:par>
+                          <p:cTn id="12" fill="hold">
+                            <p:stCondLst>
+                              <p:cond delay="0"/>
+                            </p:stCondLst>
+                            <p:childTnLst>
+                              <p:par>
+                                <p:cTn id="13" presetID="53" presetClass="entr" presetSubtype="16" fill="hold" grpId="0" nodeType="clickEffect">
+                                  <p:stCondLst>
+                                    <p:cond delay="0"/>
+                                  </p:stCondLst>
+                                  <p:childTnLst>
+                                    <p:set>
+                                      <p:cBhvr>
+                                        <p:cTn id="14" dur="1" fill="hold">
                                           <p:stCondLst>
                                             <p:cond delay="0"/>
                                           </p:stCondLst>
@@ -5339,7 +4563,7 @@
                                     </p:set>
                                     <p:anim calcmode="lin" valueType="num">
                                       <p:cBhvr>
-                                        <p:cTn id="11" dur="500" fill="hold"/>
+                                        <p:cTn id="15" dur="500" fill="hold"/>
                                         <p:tgtEl>
                                           <p:spTgt spid="8"/>
                                         </p:tgtEl>
@@ -5362,7 +4586,7 @@
                                     </p:anim>
                                     <p:anim calcmode="lin" valueType="num">
                                       <p:cBhvr>
-                                        <p:cTn id="12" dur="500" fill="hold"/>
+                                        <p:cTn id="16" dur="500" fill="hold"/>
                                         <p:tgtEl>
                                           <p:spTgt spid="8"/>
                                         </p:tgtEl>
@@ -5385,7 +4609,7 @@
                                     </p:anim>
                                     <p:animEffect transition="in" filter="fade">
                                       <p:cBhvr>
-                                        <p:cTn id="13" dur="500"/>
+                                        <p:cTn id="17" dur="500"/>
                                         <p:tgtEl>
                                           <p:spTgt spid="8"/>
                                         </p:tgtEl>
@@ -5395,14 +4619,14 @@
                                 </p:cTn>
                               </p:par>
                               <p:par>
-                                <p:cTn id="14" presetID="53" presetClass="entr" presetSubtype="16" fill="hold" grpId="0" nodeType="withEffect">
+                                <p:cTn id="18" presetID="53" presetClass="entr" presetSubtype="16" fill="hold" grpId="0" nodeType="withEffect">
                                   <p:stCondLst>
                                     <p:cond delay="0"/>
                                   </p:stCondLst>
                                   <p:childTnLst>
                                     <p:set>
                                       <p:cBhvr>
-                                        <p:cTn id="15" dur="1" fill="hold">
+                                        <p:cTn id="19" dur="1" fill="hold">
                                           <p:stCondLst>
                                             <p:cond delay="0"/>
                                           </p:stCondLst>
@@ -5420,7 +4644,7 @@
                                     </p:set>
                                     <p:anim calcmode="lin" valueType="num">
                                       <p:cBhvr>
-                                        <p:cTn id="16" dur="500" fill="hold"/>
+                                        <p:cTn id="20" dur="500" fill="hold"/>
                                         <p:tgtEl>
                                           <p:spTgt spid="9"/>
                                         </p:tgtEl>
@@ -5443,7 +4667,7 @@
                                     </p:anim>
                                     <p:anim calcmode="lin" valueType="num">
                                       <p:cBhvr>
-                                        <p:cTn id="17" dur="500" fill="hold"/>
+                                        <p:cTn id="21" dur="500" fill="hold"/>
                                         <p:tgtEl>
                                           <p:spTgt spid="9"/>
                                         </p:tgtEl>
@@ -5466,7 +4690,7 @@
                                     </p:anim>
                                     <p:animEffect transition="in" filter="fade">
                                       <p:cBhvr>
-                                        <p:cTn id="18" dur="500"/>
+                                        <p:cTn id="22" dur="500"/>
                                         <p:tgtEl>
                                           <p:spTgt spid="9"/>
                                         </p:tgtEl>
@@ -5482,26 +4706,26 @@
                     </p:cTn>
                   </p:par>
                   <p:par>
-                    <p:cTn id="19" fill="hold">
+                    <p:cTn id="23" fill="hold">
                       <p:stCondLst>
                         <p:cond delay="indefinite"/>
                       </p:stCondLst>
                       <p:childTnLst>
                         <p:par>
-                          <p:cTn id="20" fill="hold">
+                          <p:cTn id="24" fill="hold">
                             <p:stCondLst>
                               <p:cond delay="0"/>
                             </p:stCondLst>
                             <p:childTnLst>
                               <p:par>
-                                <p:cTn id="21" presetID="1" presetClass="entr" presetSubtype="0" fill="hold" nodeType="clickEffect">
+                                <p:cTn id="25" presetID="1" presetClass="entr" presetSubtype="0" fill="hold" nodeType="clickEffect">
                                   <p:stCondLst>
                                     <p:cond delay="0"/>
                                   </p:stCondLst>
                                   <p:childTnLst>
                                     <p:set>
                                       <p:cBhvr>
-                                        <p:cTn id="22" dur="1" fill="hold">
+                                        <p:cTn id="26" dur="1" fill="hold">
                                           <p:stCondLst>
                                             <p:cond delay="0"/>
                                           </p:stCondLst>
@@ -5531,26 +4755,26 @@
                     </p:cTn>
                   </p:par>
                   <p:par>
-                    <p:cTn id="23" fill="hold">
+                    <p:cTn id="27" fill="hold">
                       <p:stCondLst>
                         <p:cond delay="indefinite"/>
                       </p:stCondLst>
                       <p:childTnLst>
                         <p:par>
-                          <p:cTn id="24" fill="hold">
+                          <p:cTn id="28" fill="hold">
                             <p:stCondLst>
                               <p:cond delay="0"/>
                             </p:stCondLst>
                             <p:childTnLst>
                               <p:par>
-                                <p:cTn id="25" presetID="53" presetClass="entr" presetSubtype="16" fill="hold" grpId="0" nodeType="clickEffect">
+                                <p:cTn id="29" presetID="53" presetClass="entr" presetSubtype="16" fill="hold" grpId="0" nodeType="clickEffect">
                                   <p:stCondLst>
                                     <p:cond delay="0"/>
                                   </p:stCondLst>
                                   <p:childTnLst>
                                     <p:set>
                                       <p:cBhvr>
-                                        <p:cTn id="26" dur="1" fill="hold">
+                                        <p:cTn id="30" dur="1" fill="hold">
                                           <p:stCondLst>
                                             <p:cond delay="0"/>
                                           </p:stCondLst>
@@ -5568,7 +4792,7 @@
                                     </p:set>
                                     <p:anim calcmode="lin" valueType="num">
                                       <p:cBhvr>
-                                        <p:cTn id="27" dur="500" fill="hold"/>
+                                        <p:cTn id="31" dur="500" fill="hold"/>
                                         <p:tgtEl>
                                           <p:spTgt spid="12"/>
                                         </p:tgtEl>
@@ -5591,7 +4815,7 @@
                                     </p:anim>
                                     <p:anim calcmode="lin" valueType="num">
                                       <p:cBhvr>
-                                        <p:cTn id="28" dur="500" fill="hold"/>
+                                        <p:cTn id="32" dur="500" fill="hold"/>
                                         <p:tgtEl>
                                           <p:spTgt spid="12"/>
                                         </p:tgtEl>
@@ -5614,7 +4838,7 @@
                                     </p:anim>
                                     <p:animEffect transition="in" filter="fade">
                                       <p:cBhvr>
-                                        <p:cTn id="29" dur="500"/>
+                                        <p:cTn id="33" dur="500"/>
                                         <p:tgtEl>
                                           <p:spTgt spid="12"/>
                                         </p:tgtEl>
@@ -5624,14 +4848,14 @@
                                 </p:cTn>
                               </p:par>
                               <p:par>
-                                <p:cTn id="30" presetID="53" presetClass="entr" presetSubtype="16" fill="hold" grpId="0" nodeType="withEffect">
+                                <p:cTn id="34" presetID="53" presetClass="entr" presetSubtype="16" fill="hold" grpId="0" nodeType="withEffect">
                                   <p:stCondLst>
                                     <p:cond delay="0"/>
                                   </p:stCondLst>
                                   <p:childTnLst>
                                     <p:set>
                                       <p:cBhvr>
-                                        <p:cTn id="31" dur="1" fill="hold">
+                                        <p:cTn id="35" dur="1" fill="hold">
                                           <p:stCondLst>
                                             <p:cond delay="0"/>
                                           </p:stCondLst>
@@ -5649,7 +4873,7 @@
                                     </p:set>
                                     <p:anim calcmode="lin" valueType="num">
                                       <p:cBhvr>
-                                        <p:cTn id="32" dur="500" fill="hold"/>
+                                        <p:cTn id="36" dur="500" fill="hold"/>
                                         <p:tgtEl>
                                           <p:spTgt spid="11"/>
                                         </p:tgtEl>
@@ -5672,7 +4896,7 @@
                                     </p:anim>
                                     <p:anim calcmode="lin" valueType="num">
                                       <p:cBhvr>
-                                        <p:cTn id="33" dur="500" fill="hold"/>
+                                        <p:cTn id="37" dur="500" fill="hold"/>
                                         <p:tgtEl>
                                           <p:spTgt spid="11"/>
                                         </p:tgtEl>
@@ -5695,7 +4919,7 @@
                                     </p:anim>
                                     <p:animEffect transition="in" filter="fade">
                                       <p:cBhvr>
-                                        <p:cTn id="34" dur="500"/>
+                                        <p:cTn id="38" dur="500"/>
                                         <p:tgtEl>
                                           <p:spTgt spid="11"/>
                                         </p:tgtEl>
@@ -5741,7 +4965,7 @@
 </p:sld>
 </file>
 
-<file path=ppt/slides/slide15.xml><?xml version="1.0" encoding="utf-8"?>
+<file path=ppt/slides/slide12.xml><?xml version="1.0" encoding="utf-8"?>
 <p:sld xmlns:a="http://schemas.openxmlformats.org/drawingml/2006/main" xmlns:r="http://schemas.openxmlformats.org/officeDocument/2006/relationships" xmlns:p="http://schemas.openxmlformats.org/presentationml/2006/main">
   <p:cSld>
     <p:spTree>
@@ -5822,8 +5046,13 @@
           <a:p>
             <a:r>
               <a:rPr lang="en-US" sz="2400" dirty="0"/>
-              <a:t>After applying SMOTE difference between training and test still exists.</a:t>
-            </a:r>
+              <a:t>After applying SMOTE we see some change but, over-fitting </a:t>
+            </a:r>
+            <a:r>
+              <a:rPr lang="en-US" sz="2400"/>
+              <a:t>still exists.</a:t>
+            </a:r>
+            <a:endParaRPr lang="en-US" sz="2400" dirty="0"/>
           </a:p>
           <a:p>
             <a:r>
@@ -6107,7 +5336,7 @@
 </p:sld>
 </file>
 
-<file path=ppt/slides/slide16.xml><?xml version="1.0" encoding="utf-8"?>
+<file path=ppt/slides/slide13.xml><?xml version="1.0" encoding="utf-8"?>
 <p:sld xmlns:a="http://schemas.openxmlformats.org/drawingml/2006/main" xmlns:r="http://schemas.openxmlformats.org/officeDocument/2006/relationships" xmlns:p="http://schemas.openxmlformats.org/presentationml/2006/main">
   <p:cSld>
     <p:spTree>
@@ -6345,7 +5574,7 @@
 </p:sld>
 </file>
 
-<file path=ppt/slides/slide17.xml><?xml version="1.0" encoding="utf-8"?>
+<file path=ppt/slides/slide14.xml><?xml version="1.0" encoding="utf-8"?>
 <p:sld xmlns:a="http://schemas.openxmlformats.org/drawingml/2006/main" xmlns:r="http://schemas.openxmlformats.org/officeDocument/2006/relationships" xmlns:p="http://schemas.openxmlformats.org/presentationml/2006/main">
   <p:cSld>
     <p:spTree>
@@ -6507,7 +5736,7 @@
 </p:sld>
 </file>
 
-<file path=ppt/slides/slide18.xml><?xml version="1.0" encoding="utf-8"?>
+<file path=ppt/slides/slide15.xml><?xml version="1.0" encoding="utf-8"?>
 <p:sld xmlns:a="http://schemas.openxmlformats.org/drawingml/2006/main" xmlns:r="http://schemas.openxmlformats.org/officeDocument/2006/relationships" xmlns:p="http://schemas.openxmlformats.org/presentationml/2006/main">
   <p:cSld>
     <p:spTree>
@@ -6582,10 +5811,33 @@
           </a:xfrm>
         </p:spPr>
         <p:txBody>
-          <a:bodyPr/>
+          <a:bodyPr>
+            <a:normAutofit/>
+          </a:bodyPr>
           <a:lstStyle/>
           <a:p>
-            <a:endParaRPr lang="en-US" dirty="0"/>
+            <a:r>
+              <a:rPr lang="en-US" sz="2400" dirty="0"/>
+              <a:t>Default classifier performance is good.</a:t>
+            </a:r>
+          </a:p>
+          <a:p>
+            <a:r>
+              <a:rPr lang="en-US" sz="2400" dirty="0"/>
+              <a:t>Classifier trained using re-sampling techniques.</a:t>
+            </a:r>
+          </a:p>
+          <a:p>
+            <a:r>
+              <a:rPr lang="en-US" sz="2400" dirty="0"/>
+              <a:t>Classifier trained using SMOTE has a high recall (100%)</a:t>
+            </a:r>
+          </a:p>
+          <a:p>
+            <a:r>
+              <a:rPr lang="en-US" sz="2400" dirty="0"/>
+              <a:t>Classifier hyper-tuned and trained using SMOTE has similar metric.</a:t>
+            </a:r>
           </a:p>
         </p:txBody>
       </p:sp>
@@ -6628,10 +5880,1144 @@
           </a:ln>
         </p:spPr>
       </p:pic>
+      <p:sp>
+        <p:nvSpPr>
+          <p:cNvPr id="6" name="Arrow: Right 5">
+            <a:extLst>
+              <a:ext uri="{FF2B5EF4-FFF2-40B4-BE49-F238E27FC236}">
+                <a16:creationId xmlns:a16="http://schemas.microsoft.com/office/drawing/2014/main" id="{ACCFDEED-721B-47D1-B452-575064C9355B}"/>
+              </a:ext>
+            </a:extLst>
+          </p:cNvPr>
+          <p:cNvSpPr/>
+          <p:nvPr/>
+        </p:nvSpPr>
+        <p:spPr>
+          <a:xfrm>
+            <a:off x="9126871" y="642021"/>
+            <a:ext cx="302004" cy="268448"/>
+          </a:xfrm>
+          <a:prstGeom prst="rightArrow">
+            <a:avLst/>
+          </a:prstGeom>
+        </p:spPr>
+        <p:style>
+          <a:lnRef idx="2">
+            <a:schemeClr val="accent1">
+              <a:shade val="50000"/>
+            </a:schemeClr>
+          </a:lnRef>
+          <a:fillRef idx="1">
+            <a:schemeClr val="accent1"/>
+          </a:fillRef>
+          <a:effectRef idx="0">
+            <a:schemeClr val="accent1"/>
+          </a:effectRef>
+          <a:fontRef idx="minor">
+            <a:schemeClr val="lt1"/>
+          </a:fontRef>
+        </p:style>
+        <p:txBody>
+          <a:bodyPr rtlCol="0" anchor="ctr"/>
+          <a:lstStyle/>
+          <a:p>
+            <a:pPr algn="ctr"/>
+            <a:endParaRPr lang="en-US"/>
+          </a:p>
+        </p:txBody>
+      </p:sp>
+      <p:sp>
+        <p:nvSpPr>
+          <p:cNvPr id="7" name="Arrow: Right 6">
+            <a:extLst>
+              <a:ext uri="{FF2B5EF4-FFF2-40B4-BE49-F238E27FC236}">
+                <a16:creationId xmlns:a16="http://schemas.microsoft.com/office/drawing/2014/main" id="{0DB7B237-D6D3-4B14-979A-8C26B945D619}"/>
+              </a:ext>
+            </a:extLst>
+          </p:cNvPr>
+          <p:cNvSpPr/>
+          <p:nvPr/>
+        </p:nvSpPr>
+        <p:spPr>
+          <a:xfrm>
+            <a:off x="9126871" y="2901127"/>
+            <a:ext cx="302004" cy="268448"/>
+          </a:xfrm>
+          <a:prstGeom prst="rightArrow">
+            <a:avLst/>
+          </a:prstGeom>
+        </p:spPr>
+        <p:style>
+          <a:lnRef idx="2">
+            <a:schemeClr val="accent1">
+              <a:shade val="50000"/>
+            </a:schemeClr>
+          </a:lnRef>
+          <a:fillRef idx="1">
+            <a:schemeClr val="accent1"/>
+          </a:fillRef>
+          <a:effectRef idx="0">
+            <a:schemeClr val="accent1"/>
+          </a:effectRef>
+          <a:fontRef idx="minor">
+            <a:schemeClr val="lt1"/>
+          </a:fontRef>
+        </p:style>
+        <p:txBody>
+          <a:bodyPr rtlCol="0" anchor="ctr"/>
+          <a:lstStyle/>
+          <a:p>
+            <a:pPr algn="ctr"/>
+            <a:endParaRPr lang="en-US"/>
+          </a:p>
+        </p:txBody>
+      </p:sp>
+      <p:sp>
+        <p:nvSpPr>
+          <p:cNvPr id="8" name="Arrow: Right 7">
+            <a:extLst>
+              <a:ext uri="{FF2B5EF4-FFF2-40B4-BE49-F238E27FC236}">
+                <a16:creationId xmlns:a16="http://schemas.microsoft.com/office/drawing/2014/main" id="{A32E79D6-2837-4B9D-8006-B272FA7C388A}"/>
+              </a:ext>
+            </a:extLst>
+          </p:cNvPr>
+          <p:cNvSpPr/>
+          <p:nvPr/>
+        </p:nvSpPr>
+        <p:spPr>
+          <a:xfrm>
+            <a:off x="9126871" y="5160233"/>
+            <a:ext cx="302004" cy="268448"/>
+          </a:xfrm>
+          <a:prstGeom prst="rightArrow">
+            <a:avLst/>
+          </a:prstGeom>
+        </p:spPr>
+        <p:style>
+          <a:lnRef idx="2">
+            <a:schemeClr val="accent1">
+              <a:shade val="50000"/>
+            </a:schemeClr>
+          </a:lnRef>
+          <a:fillRef idx="1">
+            <a:schemeClr val="accent1"/>
+          </a:fillRef>
+          <a:effectRef idx="0">
+            <a:schemeClr val="accent1"/>
+          </a:effectRef>
+          <a:fontRef idx="minor">
+            <a:schemeClr val="lt1"/>
+          </a:fontRef>
+        </p:style>
+        <p:txBody>
+          <a:bodyPr rtlCol="0" anchor="ctr"/>
+          <a:lstStyle/>
+          <a:p>
+            <a:pPr algn="ctr"/>
+            <a:endParaRPr lang="en-US"/>
+          </a:p>
+        </p:txBody>
+      </p:sp>
+      <p:sp>
+        <p:nvSpPr>
+          <p:cNvPr id="10" name="Arrow: Right 9">
+            <a:extLst>
+              <a:ext uri="{FF2B5EF4-FFF2-40B4-BE49-F238E27FC236}">
+                <a16:creationId xmlns:a16="http://schemas.microsoft.com/office/drawing/2014/main" id="{0ECF5AA2-A7E3-4D1E-918D-EAF6D1593E0B}"/>
+              </a:ext>
+            </a:extLst>
+          </p:cNvPr>
+          <p:cNvSpPr/>
+          <p:nvPr/>
+        </p:nvSpPr>
+        <p:spPr>
+          <a:xfrm rot="5400000">
+            <a:off x="11170824" y="693933"/>
+            <a:ext cx="302004" cy="268448"/>
+          </a:xfrm>
+          <a:prstGeom prst="rightArrow">
+            <a:avLst/>
+          </a:prstGeom>
+        </p:spPr>
+        <p:style>
+          <a:lnRef idx="2">
+            <a:schemeClr val="accent1">
+              <a:shade val="50000"/>
+            </a:schemeClr>
+          </a:lnRef>
+          <a:fillRef idx="1">
+            <a:schemeClr val="accent1"/>
+          </a:fillRef>
+          <a:effectRef idx="0">
+            <a:schemeClr val="accent1"/>
+          </a:effectRef>
+          <a:fontRef idx="minor">
+            <a:schemeClr val="lt1"/>
+          </a:fontRef>
+        </p:style>
+        <p:txBody>
+          <a:bodyPr rtlCol="0" anchor="ctr"/>
+          <a:lstStyle/>
+          <a:p>
+            <a:pPr algn="ctr"/>
+            <a:endParaRPr lang="en-US"/>
+          </a:p>
+        </p:txBody>
+      </p:sp>
+      <p:sp>
+        <p:nvSpPr>
+          <p:cNvPr id="11" name="Arrow: Right 10">
+            <a:extLst>
+              <a:ext uri="{FF2B5EF4-FFF2-40B4-BE49-F238E27FC236}">
+                <a16:creationId xmlns:a16="http://schemas.microsoft.com/office/drawing/2014/main" id="{708FCA2D-89D8-48B7-93C5-E974993EDC42}"/>
+              </a:ext>
+            </a:extLst>
+          </p:cNvPr>
+          <p:cNvSpPr/>
+          <p:nvPr/>
+        </p:nvSpPr>
+        <p:spPr>
+          <a:xfrm rot="5400000">
+            <a:off x="11170824" y="2946805"/>
+            <a:ext cx="302004" cy="268448"/>
+          </a:xfrm>
+          <a:prstGeom prst="rightArrow">
+            <a:avLst/>
+          </a:prstGeom>
+        </p:spPr>
+        <p:style>
+          <a:lnRef idx="2">
+            <a:schemeClr val="accent1">
+              <a:shade val="50000"/>
+            </a:schemeClr>
+          </a:lnRef>
+          <a:fillRef idx="1">
+            <a:schemeClr val="accent1"/>
+          </a:fillRef>
+          <a:effectRef idx="0">
+            <a:schemeClr val="accent1"/>
+          </a:effectRef>
+          <a:fontRef idx="minor">
+            <a:schemeClr val="lt1"/>
+          </a:fontRef>
+        </p:style>
+        <p:txBody>
+          <a:bodyPr rtlCol="0" anchor="ctr"/>
+          <a:lstStyle/>
+          <a:p>
+            <a:pPr algn="ctr"/>
+            <a:endParaRPr lang="en-US"/>
+          </a:p>
+        </p:txBody>
+      </p:sp>
+      <p:sp>
+        <p:nvSpPr>
+          <p:cNvPr id="12" name="Arrow: Right 11">
+            <a:extLst>
+              <a:ext uri="{FF2B5EF4-FFF2-40B4-BE49-F238E27FC236}">
+                <a16:creationId xmlns:a16="http://schemas.microsoft.com/office/drawing/2014/main" id="{820CC302-BEE4-4526-96E4-BF27D7316C08}"/>
+              </a:ext>
+            </a:extLst>
+          </p:cNvPr>
+          <p:cNvSpPr/>
+          <p:nvPr/>
+        </p:nvSpPr>
+        <p:spPr>
+          <a:xfrm rot="5400000">
+            <a:off x="11170824" y="5187982"/>
+            <a:ext cx="302004" cy="268448"/>
+          </a:xfrm>
+          <a:prstGeom prst="rightArrow">
+            <a:avLst/>
+          </a:prstGeom>
+        </p:spPr>
+        <p:style>
+          <a:lnRef idx="2">
+            <a:schemeClr val="accent1">
+              <a:shade val="50000"/>
+            </a:schemeClr>
+          </a:lnRef>
+          <a:fillRef idx="1">
+            <a:schemeClr val="accent1"/>
+          </a:fillRef>
+          <a:effectRef idx="0">
+            <a:schemeClr val="accent1"/>
+          </a:effectRef>
+          <a:fontRef idx="minor">
+            <a:schemeClr val="lt1"/>
+          </a:fontRef>
+        </p:style>
+        <p:txBody>
+          <a:bodyPr rtlCol="0" anchor="ctr"/>
+          <a:lstStyle/>
+          <a:p>
+            <a:pPr algn="ctr"/>
+            <a:endParaRPr lang="en-US"/>
+          </a:p>
+        </p:txBody>
+      </p:sp>
+      <p:sp>
+        <p:nvSpPr>
+          <p:cNvPr id="13" name="Arrow: Right 12">
+            <a:extLst>
+              <a:ext uri="{FF2B5EF4-FFF2-40B4-BE49-F238E27FC236}">
+                <a16:creationId xmlns:a16="http://schemas.microsoft.com/office/drawing/2014/main" id="{295A071D-CFF2-4E0D-8E44-539AE6E1AD60}"/>
+              </a:ext>
+            </a:extLst>
+          </p:cNvPr>
+          <p:cNvSpPr/>
+          <p:nvPr/>
+        </p:nvSpPr>
+        <p:spPr>
+          <a:xfrm rot="5400000">
+            <a:off x="11170824" y="3652188"/>
+            <a:ext cx="302004" cy="268448"/>
+          </a:xfrm>
+          <a:prstGeom prst="rightArrow">
+            <a:avLst/>
+          </a:prstGeom>
+          <a:solidFill>
+            <a:schemeClr val="accent6">
+              <a:lumMod val="40000"/>
+              <a:lumOff val="60000"/>
+            </a:schemeClr>
+          </a:solidFill>
+        </p:spPr>
+        <p:style>
+          <a:lnRef idx="2">
+            <a:schemeClr val="accent1">
+              <a:shade val="50000"/>
+            </a:schemeClr>
+          </a:lnRef>
+          <a:fillRef idx="1">
+            <a:schemeClr val="accent1"/>
+          </a:fillRef>
+          <a:effectRef idx="0">
+            <a:schemeClr val="accent1"/>
+          </a:effectRef>
+          <a:fontRef idx="minor">
+            <a:schemeClr val="lt1"/>
+          </a:fontRef>
+        </p:style>
+        <p:txBody>
+          <a:bodyPr rtlCol="0" anchor="ctr"/>
+          <a:lstStyle/>
+          <a:p>
+            <a:pPr algn="ctr"/>
+            <a:endParaRPr lang="en-US"/>
+          </a:p>
+        </p:txBody>
+      </p:sp>
+      <p:sp>
+        <p:nvSpPr>
+          <p:cNvPr id="14" name="Arrow: Right 13">
+            <a:extLst>
+              <a:ext uri="{FF2B5EF4-FFF2-40B4-BE49-F238E27FC236}">
+                <a16:creationId xmlns:a16="http://schemas.microsoft.com/office/drawing/2014/main" id="{8E32C039-856B-4494-9B58-BB3B8BCCC7A1}"/>
+              </a:ext>
+            </a:extLst>
+          </p:cNvPr>
+          <p:cNvSpPr/>
+          <p:nvPr/>
+        </p:nvSpPr>
+        <p:spPr>
+          <a:xfrm rot="5400000">
+            <a:off x="11169980" y="1461830"/>
+            <a:ext cx="302004" cy="268448"/>
+          </a:xfrm>
+          <a:prstGeom prst="rightArrow">
+            <a:avLst/>
+          </a:prstGeom>
+          <a:solidFill>
+            <a:schemeClr val="accent6">
+              <a:lumMod val="40000"/>
+              <a:lumOff val="60000"/>
+            </a:schemeClr>
+          </a:solidFill>
+        </p:spPr>
+        <p:style>
+          <a:lnRef idx="2">
+            <a:schemeClr val="accent1">
+              <a:shade val="50000"/>
+            </a:schemeClr>
+          </a:lnRef>
+          <a:fillRef idx="1">
+            <a:schemeClr val="accent1"/>
+          </a:fillRef>
+          <a:effectRef idx="0">
+            <a:schemeClr val="accent1"/>
+          </a:effectRef>
+          <a:fontRef idx="minor">
+            <a:schemeClr val="lt1"/>
+          </a:fontRef>
+        </p:style>
+        <p:txBody>
+          <a:bodyPr rtlCol="0" anchor="ctr"/>
+          <a:lstStyle/>
+          <a:p>
+            <a:pPr algn="ctr"/>
+            <a:endParaRPr lang="en-US"/>
+          </a:p>
+        </p:txBody>
+      </p:sp>
+      <p:sp>
+        <p:nvSpPr>
+          <p:cNvPr id="15" name="Arrow: Right 14">
+            <a:extLst>
+              <a:ext uri="{FF2B5EF4-FFF2-40B4-BE49-F238E27FC236}">
+                <a16:creationId xmlns:a16="http://schemas.microsoft.com/office/drawing/2014/main" id="{108E6305-57D7-4BD3-9AF4-07553BDA5CEC}"/>
+              </a:ext>
+            </a:extLst>
+          </p:cNvPr>
+          <p:cNvSpPr/>
+          <p:nvPr/>
+        </p:nvSpPr>
+        <p:spPr>
+          <a:xfrm rot="5400000">
+            <a:off x="11186221" y="5979500"/>
+            <a:ext cx="302004" cy="268448"/>
+          </a:xfrm>
+          <a:prstGeom prst="rightArrow">
+            <a:avLst/>
+          </a:prstGeom>
+          <a:solidFill>
+            <a:schemeClr val="accent6">
+              <a:lumMod val="40000"/>
+              <a:lumOff val="60000"/>
+            </a:schemeClr>
+          </a:solidFill>
+        </p:spPr>
+        <p:style>
+          <a:lnRef idx="2">
+            <a:schemeClr val="accent1">
+              <a:shade val="50000"/>
+            </a:schemeClr>
+          </a:lnRef>
+          <a:fillRef idx="1">
+            <a:schemeClr val="accent1"/>
+          </a:fillRef>
+          <a:effectRef idx="0">
+            <a:schemeClr val="accent1"/>
+          </a:effectRef>
+          <a:fontRef idx="minor">
+            <a:schemeClr val="lt1"/>
+          </a:fontRef>
+        </p:style>
+        <p:txBody>
+          <a:bodyPr rtlCol="0" anchor="ctr"/>
+          <a:lstStyle/>
+          <a:p>
+            <a:pPr algn="ctr"/>
+            <a:endParaRPr lang="en-US"/>
+          </a:p>
+        </p:txBody>
+      </p:sp>
     </p:spTree>
     <p:extLst>
       <p:ext uri="{BB962C8B-B14F-4D97-AF65-F5344CB8AC3E}">
         <p14:creationId xmlns:p14="http://schemas.microsoft.com/office/powerpoint/2010/main" val="2216217830"/>
+      </p:ext>
+    </p:extLst>
+  </p:cSld>
+  <p:clrMapOvr>
+    <a:masterClrMapping/>
+  </p:clrMapOvr>
+  <p:timing>
+    <p:tnLst>
+      <p:par>
+        <p:cTn id="1" dur="indefinite" restart="never" nodeType="tmRoot">
+          <p:childTnLst>
+            <p:seq concurrent="1" nextAc="seek">
+              <p:cTn id="2" dur="indefinite" nodeType="mainSeq">
+                <p:childTnLst>
+                  <p:par>
+                    <p:cTn id="3" fill="hold">
+                      <p:stCondLst>
+                        <p:cond delay="indefinite"/>
+                      </p:stCondLst>
+                      <p:childTnLst>
+                        <p:par>
+                          <p:cTn id="4" fill="hold">
+                            <p:stCondLst>
+                              <p:cond delay="0"/>
+                            </p:stCondLst>
+                            <p:childTnLst>
+                              <p:par>
+                                <p:cTn id="5" presetID="1" presetClass="entr" presetSubtype="0" fill="hold" nodeType="clickEffect">
+                                  <p:stCondLst>
+                                    <p:cond delay="0"/>
+                                  </p:stCondLst>
+                                  <p:childTnLst>
+                                    <p:set>
+                                      <p:cBhvr>
+                                        <p:cTn id="6" dur="1" fill="hold">
+                                          <p:stCondLst>
+                                            <p:cond delay="0"/>
+                                          </p:stCondLst>
+                                        </p:cTn>
+                                        <p:tgtEl>
+                                          <p:spTgt spid="5"/>
+                                        </p:tgtEl>
+                                        <p:attrNameLst>
+                                          <p:attrName>style.visibility</p:attrName>
+                                        </p:attrNameLst>
+                                      </p:cBhvr>
+                                      <p:to>
+                                        <p:strVal val="visible"/>
+                                      </p:to>
+                                    </p:set>
+                                  </p:childTnLst>
+                                </p:cTn>
+                              </p:par>
+                            </p:childTnLst>
+                          </p:cTn>
+                        </p:par>
+                      </p:childTnLst>
+                    </p:cTn>
+                  </p:par>
+                  <p:par>
+                    <p:cTn id="7" fill="hold">
+                      <p:stCondLst>
+                        <p:cond delay="indefinite"/>
+                      </p:stCondLst>
+                      <p:childTnLst>
+                        <p:par>
+                          <p:cTn id="8" fill="hold">
+                            <p:stCondLst>
+                              <p:cond delay="0"/>
+                            </p:stCondLst>
+                            <p:childTnLst>
+                              <p:par>
+                                <p:cTn id="9" presetID="1" presetClass="entr" presetSubtype="0" fill="hold" nodeType="clickEffect">
+                                  <p:stCondLst>
+                                    <p:cond delay="0"/>
+                                  </p:stCondLst>
+                                  <p:childTnLst>
+                                    <p:set>
+                                      <p:cBhvr>
+                                        <p:cTn id="10" dur="1" fill="hold">
+                                          <p:stCondLst>
+                                            <p:cond delay="0"/>
+                                          </p:stCondLst>
+                                        </p:cTn>
+                                        <p:tgtEl>
+                                          <p:spTgt spid="3">
+                                            <p:txEl>
+                                              <p:pRg st="0" end="0"/>
+                                            </p:txEl>
+                                          </p:spTgt>
+                                        </p:tgtEl>
+                                        <p:attrNameLst>
+                                          <p:attrName>style.visibility</p:attrName>
+                                        </p:attrNameLst>
+                                      </p:cBhvr>
+                                      <p:to>
+                                        <p:strVal val="visible"/>
+                                      </p:to>
+                                    </p:set>
+                                  </p:childTnLst>
+                                </p:cTn>
+                              </p:par>
+                            </p:childTnLst>
+                          </p:cTn>
+                        </p:par>
+                      </p:childTnLst>
+                    </p:cTn>
+                  </p:par>
+                  <p:par>
+                    <p:cTn id="11" fill="hold">
+                      <p:stCondLst>
+                        <p:cond delay="indefinite"/>
+                      </p:stCondLst>
+                      <p:childTnLst>
+                        <p:par>
+                          <p:cTn id="12" fill="hold">
+                            <p:stCondLst>
+                              <p:cond delay="0"/>
+                            </p:stCondLst>
+                            <p:childTnLst>
+                              <p:par>
+                                <p:cTn id="13" presetID="1" presetClass="entr" presetSubtype="0" fill="hold" grpId="0" nodeType="clickEffect">
+                                  <p:stCondLst>
+                                    <p:cond delay="0"/>
+                                  </p:stCondLst>
+                                  <p:childTnLst>
+                                    <p:set>
+                                      <p:cBhvr>
+                                        <p:cTn id="14" dur="1" fill="hold">
+                                          <p:stCondLst>
+                                            <p:cond delay="0"/>
+                                          </p:stCondLst>
+                                        </p:cTn>
+                                        <p:tgtEl>
+                                          <p:spTgt spid="6"/>
+                                        </p:tgtEl>
+                                        <p:attrNameLst>
+                                          <p:attrName>style.visibility</p:attrName>
+                                        </p:attrNameLst>
+                                      </p:cBhvr>
+                                      <p:to>
+                                        <p:strVal val="visible"/>
+                                      </p:to>
+                                    </p:set>
+                                  </p:childTnLst>
+                                </p:cTn>
+                              </p:par>
+                              <p:par>
+                                <p:cTn id="15" presetID="1" presetClass="entr" presetSubtype="0" fill="hold" grpId="0" nodeType="withEffect">
+                                  <p:stCondLst>
+                                    <p:cond delay="0"/>
+                                  </p:stCondLst>
+                                  <p:childTnLst>
+                                    <p:set>
+                                      <p:cBhvr>
+                                        <p:cTn id="16" dur="1" fill="hold">
+                                          <p:stCondLst>
+                                            <p:cond delay="0"/>
+                                          </p:stCondLst>
+                                        </p:cTn>
+                                        <p:tgtEl>
+                                          <p:spTgt spid="7"/>
+                                        </p:tgtEl>
+                                        <p:attrNameLst>
+                                          <p:attrName>style.visibility</p:attrName>
+                                        </p:attrNameLst>
+                                      </p:cBhvr>
+                                      <p:to>
+                                        <p:strVal val="visible"/>
+                                      </p:to>
+                                    </p:set>
+                                  </p:childTnLst>
+                                </p:cTn>
+                              </p:par>
+                              <p:par>
+                                <p:cTn id="17" presetID="1" presetClass="entr" presetSubtype="0" fill="hold" grpId="0" nodeType="withEffect">
+                                  <p:stCondLst>
+                                    <p:cond delay="0"/>
+                                  </p:stCondLst>
+                                  <p:childTnLst>
+                                    <p:set>
+                                      <p:cBhvr>
+                                        <p:cTn id="18" dur="1" fill="hold">
+                                          <p:stCondLst>
+                                            <p:cond delay="0"/>
+                                          </p:stCondLst>
+                                        </p:cTn>
+                                        <p:tgtEl>
+                                          <p:spTgt spid="8"/>
+                                        </p:tgtEl>
+                                        <p:attrNameLst>
+                                          <p:attrName>style.visibility</p:attrName>
+                                        </p:attrNameLst>
+                                      </p:cBhvr>
+                                      <p:to>
+                                        <p:strVal val="visible"/>
+                                      </p:to>
+                                    </p:set>
+                                  </p:childTnLst>
+                                </p:cTn>
+                              </p:par>
+                            </p:childTnLst>
+                          </p:cTn>
+                        </p:par>
+                      </p:childTnLst>
+                    </p:cTn>
+                  </p:par>
+                  <p:par>
+                    <p:cTn id="19" fill="hold">
+                      <p:stCondLst>
+                        <p:cond delay="indefinite"/>
+                      </p:stCondLst>
+                      <p:childTnLst>
+                        <p:par>
+                          <p:cTn id="20" fill="hold">
+                            <p:stCondLst>
+                              <p:cond delay="0"/>
+                            </p:stCondLst>
+                            <p:childTnLst>
+                              <p:par>
+                                <p:cTn id="21" presetID="1" presetClass="entr" presetSubtype="0" fill="hold" nodeType="clickEffect">
+                                  <p:stCondLst>
+                                    <p:cond delay="0"/>
+                                  </p:stCondLst>
+                                  <p:childTnLst>
+                                    <p:set>
+                                      <p:cBhvr>
+                                        <p:cTn id="22" dur="1" fill="hold">
+                                          <p:stCondLst>
+                                            <p:cond delay="0"/>
+                                          </p:stCondLst>
+                                        </p:cTn>
+                                        <p:tgtEl>
+                                          <p:spTgt spid="3">
+                                            <p:txEl>
+                                              <p:pRg st="1" end="1"/>
+                                            </p:txEl>
+                                          </p:spTgt>
+                                        </p:tgtEl>
+                                        <p:attrNameLst>
+                                          <p:attrName>style.visibility</p:attrName>
+                                        </p:attrNameLst>
+                                      </p:cBhvr>
+                                      <p:to>
+                                        <p:strVal val="visible"/>
+                                      </p:to>
+                                    </p:set>
+                                  </p:childTnLst>
+                                </p:cTn>
+                              </p:par>
+                            </p:childTnLst>
+                          </p:cTn>
+                        </p:par>
+                      </p:childTnLst>
+                    </p:cTn>
+                  </p:par>
+                  <p:par>
+                    <p:cTn id="23" fill="hold">
+                      <p:stCondLst>
+                        <p:cond delay="indefinite"/>
+                      </p:stCondLst>
+                      <p:childTnLst>
+                        <p:par>
+                          <p:cTn id="24" fill="hold">
+                            <p:stCondLst>
+                              <p:cond delay="0"/>
+                            </p:stCondLst>
+                            <p:childTnLst>
+                              <p:par>
+                                <p:cTn id="25" presetID="1" presetClass="entr" presetSubtype="0" fill="hold" nodeType="clickEffect">
+                                  <p:stCondLst>
+                                    <p:cond delay="0"/>
+                                  </p:stCondLst>
+                                  <p:childTnLst>
+                                    <p:set>
+                                      <p:cBhvr>
+                                        <p:cTn id="26" dur="1" fill="hold">
+                                          <p:stCondLst>
+                                            <p:cond delay="0"/>
+                                          </p:stCondLst>
+                                        </p:cTn>
+                                        <p:tgtEl>
+                                          <p:spTgt spid="3">
+                                            <p:txEl>
+                                              <p:pRg st="2" end="2"/>
+                                            </p:txEl>
+                                          </p:spTgt>
+                                        </p:tgtEl>
+                                        <p:attrNameLst>
+                                          <p:attrName>style.visibility</p:attrName>
+                                        </p:attrNameLst>
+                                      </p:cBhvr>
+                                      <p:to>
+                                        <p:strVal val="visible"/>
+                                      </p:to>
+                                    </p:set>
+                                  </p:childTnLst>
+                                </p:cTn>
+                              </p:par>
+                            </p:childTnLst>
+                          </p:cTn>
+                        </p:par>
+                      </p:childTnLst>
+                    </p:cTn>
+                  </p:par>
+                  <p:par>
+                    <p:cTn id="27" fill="hold">
+                      <p:stCondLst>
+                        <p:cond delay="indefinite"/>
+                      </p:stCondLst>
+                      <p:childTnLst>
+                        <p:par>
+                          <p:cTn id="28" fill="hold">
+                            <p:stCondLst>
+                              <p:cond delay="0"/>
+                            </p:stCondLst>
+                            <p:childTnLst>
+                              <p:par>
+                                <p:cTn id="29" presetID="1" presetClass="entr" presetSubtype="0" fill="hold" grpId="0" nodeType="clickEffect">
+                                  <p:stCondLst>
+                                    <p:cond delay="0"/>
+                                  </p:stCondLst>
+                                  <p:childTnLst>
+                                    <p:set>
+                                      <p:cBhvr>
+                                        <p:cTn id="30" dur="1" fill="hold">
+                                          <p:stCondLst>
+                                            <p:cond delay="0"/>
+                                          </p:stCondLst>
+                                        </p:cTn>
+                                        <p:tgtEl>
+                                          <p:spTgt spid="10"/>
+                                        </p:tgtEl>
+                                        <p:attrNameLst>
+                                          <p:attrName>style.visibility</p:attrName>
+                                        </p:attrNameLst>
+                                      </p:cBhvr>
+                                      <p:to>
+                                        <p:strVal val="visible"/>
+                                      </p:to>
+                                    </p:set>
+                                  </p:childTnLst>
+                                </p:cTn>
+                              </p:par>
+                              <p:par>
+                                <p:cTn id="31" presetID="1" presetClass="entr" presetSubtype="0" fill="hold" grpId="0" nodeType="withEffect">
+                                  <p:stCondLst>
+                                    <p:cond delay="0"/>
+                                  </p:stCondLst>
+                                  <p:childTnLst>
+                                    <p:set>
+                                      <p:cBhvr>
+                                        <p:cTn id="32" dur="1" fill="hold">
+                                          <p:stCondLst>
+                                            <p:cond delay="0"/>
+                                          </p:stCondLst>
+                                        </p:cTn>
+                                        <p:tgtEl>
+                                          <p:spTgt spid="11"/>
+                                        </p:tgtEl>
+                                        <p:attrNameLst>
+                                          <p:attrName>style.visibility</p:attrName>
+                                        </p:attrNameLst>
+                                      </p:cBhvr>
+                                      <p:to>
+                                        <p:strVal val="visible"/>
+                                      </p:to>
+                                    </p:set>
+                                  </p:childTnLst>
+                                </p:cTn>
+                              </p:par>
+                              <p:par>
+                                <p:cTn id="33" presetID="1" presetClass="entr" presetSubtype="0" fill="hold" grpId="0" nodeType="withEffect">
+                                  <p:stCondLst>
+                                    <p:cond delay="0"/>
+                                  </p:stCondLst>
+                                  <p:childTnLst>
+                                    <p:set>
+                                      <p:cBhvr>
+                                        <p:cTn id="34" dur="1" fill="hold">
+                                          <p:stCondLst>
+                                            <p:cond delay="0"/>
+                                          </p:stCondLst>
+                                        </p:cTn>
+                                        <p:tgtEl>
+                                          <p:spTgt spid="12"/>
+                                        </p:tgtEl>
+                                        <p:attrNameLst>
+                                          <p:attrName>style.visibility</p:attrName>
+                                        </p:attrNameLst>
+                                      </p:cBhvr>
+                                      <p:to>
+                                        <p:strVal val="visible"/>
+                                      </p:to>
+                                    </p:set>
+                                  </p:childTnLst>
+                                </p:cTn>
+                              </p:par>
+                            </p:childTnLst>
+                          </p:cTn>
+                        </p:par>
+                      </p:childTnLst>
+                    </p:cTn>
+                  </p:par>
+                  <p:par>
+                    <p:cTn id="35" fill="hold">
+                      <p:stCondLst>
+                        <p:cond delay="indefinite"/>
+                      </p:stCondLst>
+                      <p:childTnLst>
+                        <p:par>
+                          <p:cTn id="36" fill="hold">
+                            <p:stCondLst>
+                              <p:cond delay="0"/>
+                            </p:stCondLst>
+                            <p:childTnLst>
+                              <p:par>
+                                <p:cTn id="37" presetID="1" presetClass="entr" presetSubtype="0" fill="hold" nodeType="clickEffect">
+                                  <p:stCondLst>
+                                    <p:cond delay="0"/>
+                                  </p:stCondLst>
+                                  <p:childTnLst>
+                                    <p:set>
+                                      <p:cBhvr>
+                                        <p:cTn id="38" dur="1" fill="hold">
+                                          <p:stCondLst>
+                                            <p:cond delay="0"/>
+                                          </p:stCondLst>
+                                        </p:cTn>
+                                        <p:tgtEl>
+                                          <p:spTgt spid="3">
+                                            <p:txEl>
+                                              <p:pRg st="3" end="3"/>
+                                            </p:txEl>
+                                          </p:spTgt>
+                                        </p:tgtEl>
+                                        <p:attrNameLst>
+                                          <p:attrName>style.visibility</p:attrName>
+                                        </p:attrNameLst>
+                                      </p:cBhvr>
+                                      <p:to>
+                                        <p:strVal val="visible"/>
+                                      </p:to>
+                                    </p:set>
+                                  </p:childTnLst>
+                                </p:cTn>
+                              </p:par>
+                            </p:childTnLst>
+                          </p:cTn>
+                        </p:par>
+                      </p:childTnLst>
+                    </p:cTn>
+                  </p:par>
+                  <p:par>
+                    <p:cTn id="39" fill="hold">
+                      <p:stCondLst>
+                        <p:cond delay="indefinite"/>
+                      </p:stCondLst>
+                      <p:childTnLst>
+                        <p:par>
+                          <p:cTn id="40" fill="hold">
+                            <p:stCondLst>
+                              <p:cond delay="0"/>
+                            </p:stCondLst>
+                            <p:childTnLst>
+                              <p:par>
+                                <p:cTn id="41" presetID="1" presetClass="entr" presetSubtype="0" fill="hold" grpId="0" nodeType="clickEffect">
+                                  <p:stCondLst>
+                                    <p:cond delay="0"/>
+                                  </p:stCondLst>
+                                  <p:childTnLst>
+                                    <p:set>
+                                      <p:cBhvr>
+                                        <p:cTn id="42" dur="1" fill="hold">
+                                          <p:stCondLst>
+                                            <p:cond delay="0"/>
+                                          </p:stCondLst>
+                                        </p:cTn>
+                                        <p:tgtEl>
+                                          <p:spTgt spid="13"/>
+                                        </p:tgtEl>
+                                        <p:attrNameLst>
+                                          <p:attrName>style.visibility</p:attrName>
+                                        </p:attrNameLst>
+                                      </p:cBhvr>
+                                      <p:to>
+                                        <p:strVal val="visible"/>
+                                      </p:to>
+                                    </p:set>
+                                  </p:childTnLst>
+                                </p:cTn>
+                              </p:par>
+                              <p:par>
+                                <p:cTn id="43" presetID="1" presetClass="entr" presetSubtype="0" fill="hold" grpId="0" nodeType="withEffect">
+                                  <p:stCondLst>
+                                    <p:cond delay="0"/>
+                                  </p:stCondLst>
+                                  <p:childTnLst>
+                                    <p:set>
+                                      <p:cBhvr>
+                                        <p:cTn id="44" dur="1" fill="hold">
+                                          <p:stCondLst>
+                                            <p:cond delay="0"/>
+                                          </p:stCondLst>
+                                        </p:cTn>
+                                        <p:tgtEl>
+                                          <p:spTgt spid="14"/>
+                                        </p:tgtEl>
+                                        <p:attrNameLst>
+                                          <p:attrName>style.visibility</p:attrName>
+                                        </p:attrNameLst>
+                                      </p:cBhvr>
+                                      <p:to>
+                                        <p:strVal val="visible"/>
+                                      </p:to>
+                                    </p:set>
+                                  </p:childTnLst>
+                                </p:cTn>
+                              </p:par>
+                              <p:par>
+                                <p:cTn id="45" presetID="1" presetClass="entr" presetSubtype="0" fill="hold" grpId="0" nodeType="withEffect">
+                                  <p:stCondLst>
+                                    <p:cond delay="0"/>
+                                  </p:stCondLst>
+                                  <p:childTnLst>
+                                    <p:set>
+                                      <p:cBhvr>
+                                        <p:cTn id="46" dur="1" fill="hold">
+                                          <p:stCondLst>
+                                            <p:cond delay="0"/>
+                                          </p:stCondLst>
+                                        </p:cTn>
+                                        <p:tgtEl>
+                                          <p:spTgt spid="15"/>
+                                        </p:tgtEl>
+                                        <p:attrNameLst>
+                                          <p:attrName>style.visibility</p:attrName>
+                                        </p:attrNameLst>
+                                      </p:cBhvr>
+                                      <p:to>
+                                        <p:strVal val="visible"/>
+                                      </p:to>
+                                    </p:set>
+                                  </p:childTnLst>
+                                </p:cTn>
+                              </p:par>
+                            </p:childTnLst>
+                          </p:cTn>
+                        </p:par>
+                      </p:childTnLst>
+                    </p:cTn>
+                  </p:par>
+                </p:childTnLst>
+              </p:cTn>
+              <p:prevCondLst>
+                <p:cond evt="onPrev" delay="0">
+                  <p:tgtEl>
+                    <p:sldTgt/>
+                  </p:tgtEl>
+                </p:cond>
+              </p:prevCondLst>
+              <p:nextCondLst>
+                <p:cond evt="onNext" delay="0">
+                  <p:tgtEl>
+                    <p:sldTgt/>
+                  </p:tgtEl>
+                </p:cond>
+              </p:nextCondLst>
+            </p:seq>
+          </p:childTnLst>
+        </p:cTn>
+      </p:par>
+    </p:tnLst>
+    <p:bldLst>
+      <p:bldP spid="6" grpId="0" animBg="1"/>
+      <p:bldP spid="7" grpId="0" animBg="1"/>
+      <p:bldP spid="8" grpId="0" animBg="1"/>
+      <p:bldP spid="10" grpId="0" animBg="1"/>
+      <p:bldP spid="11" grpId="0" animBg="1"/>
+      <p:bldP spid="12" grpId="0" animBg="1"/>
+      <p:bldP spid="13" grpId="0" animBg="1"/>
+      <p:bldP spid="14" grpId="0" animBg="1"/>
+      <p:bldP spid="15" grpId="0" animBg="1"/>
+    </p:bldLst>
+  </p:timing>
+</p:sld>
+</file>
+
+<file path=ppt/slides/slide16.xml><?xml version="1.0" encoding="utf-8"?>
+<p:sld xmlns:a="http://schemas.openxmlformats.org/drawingml/2006/main" xmlns:r="http://schemas.openxmlformats.org/officeDocument/2006/relationships" xmlns:p="http://schemas.openxmlformats.org/presentationml/2006/main">
+  <p:cSld>
+    <p:spTree>
+      <p:nvGrpSpPr>
+        <p:cNvPr id="1" name=""/>
+        <p:cNvGrpSpPr/>
+        <p:nvPr/>
+      </p:nvGrpSpPr>
+      <p:grpSpPr>
+        <a:xfrm>
+          <a:off x="0" y="0"/>
+          <a:ext cx="0" cy="0"/>
+          <a:chOff x="0" y="0"/>
+          <a:chExt cx="0" cy="0"/>
+        </a:xfrm>
+      </p:grpSpPr>
+      <p:sp>
+        <p:nvSpPr>
+          <p:cNvPr id="2" name="Title 1">
+            <a:extLst>
+              <a:ext uri="{FF2B5EF4-FFF2-40B4-BE49-F238E27FC236}">
+                <a16:creationId xmlns:a16="http://schemas.microsoft.com/office/drawing/2014/main" id="{6CD7F541-3CCA-4A3A-9E24-5EB4A9271B7C}"/>
+              </a:ext>
+            </a:extLst>
+          </p:cNvPr>
+          <p:cNvSpPr>
+            <a:spLocks noGrp="1"/>
+          </p:cNvSpPr>
+          <p:nvPr>
+            <p:ph type="title"/>
+          </p:nvPr>
+        </p:nvSpPr>
+        <p:spPr>
+          <a:xfrm>
+            <a:off x="838200" y="365125"/>
+            <a:ext cx="3477236" cy="1325563"/>
+          </a:xfrm>
+        </p:spPr>
+        <p:txBody>
+          <a:bodyPr>
+            <a:normAutofit/>
+          </a:bodyPr>
+          <a:lstStyle/>
+          <a:p>
+            <a:r>
+              <a:rPr lang="en-US" dirty="0"/>
+              <a:t>Feature Importance</a:t>
+            </a:r>
+          </a:p>
+        </p:txBody>
+      </p:sp>
+      <p:sp>
+        <p:nvSpPr>
+          <p:cNvPr id="3" name="Content Placeholder 2">
+            <a:extLst>
+              <a:ext uri="{FF2B5EF4-FFF2-40B4-BE49-F238E27FC236}">
+                <a16:creationId xmlns:a16="http://schemas.microsoft.com/office/drawing/2014/main" id="{2AF6FF7C-5AE0-4C3E-A22F-2E8792F50FFF}"/>
+              </a:ext>
+            </a:extLst>
+          </p:cNvPr>
+          <p:cNvSpPr>
+            <a:spLocks noGrp="1"/>
+          </p:cNvSpPr>
+          <p:nvPr>
+            <p:ph idx="1"/>
+          </p:nvPr>
+        </p:nvSpPr>
+        <p:spPr>
+          <a:xfrm>
+            <a:off x="838201" y="1825625"/>
+            <a:ext cx="3477236" cy="4351338"/>
+          </a:xfrm>
+        </p:spPr>
+        <p:txBody>
+          <a:bodyPr/>
+          <a:lstStyle/>
+          <a:p>
+            <a:endParaRPr lang="en-US" dirty="0"/>
+          </a:p>
+        </p:txBody>
+      </p:sp>
+      <p:pic>
+        <p:nvPicPr>
+          <p:cNvPr id="5" name="Picture 4">
+            <a:extLst>
+              <a:ext uri="{FF2B5EF4-FFF2-40B4-BE49-F238E27FC236}">
+                <a16:creationId xmlns:a16="http://schemas.microsoft.com/office/drawing/2014/main" id="{03F3207E-8716-4806-821B-16C1C7706E29}"/>
+              </a:ext>
+            </a:extLst>
+          </p:cNvPr>
+          <p:cNvPicPr/>
+          <p:nvPr/>
+        </p:nvPicPr>
+        <p:blipFill>
+          <a:blip r:embed="rId2"/>
+          <a:stretch>
+            <a:fillRect/>
+          </a:stretch>
+        </p:blipFill>
+        <p:spPr>
+          <a:xfrm>
+            <a:off x="4315436" y="681037"/>
+            <a:ext cx="7739544" cy="5811838"/>
+          </a:xfrm>
+          <a:prstGeom prst="rect">
+            <a:avLst/>
+          </a:prstGeom>
+        </p:spPr>
+      </p:pic>
+    </p:spTree>
+    <p:extLst>
+      <p:ext uri="{BB962C8B-B14F-4D97-AF65-F5344CB8AC3E}">
+        <p14:creationId xmlns:p14="http://schemas.microsoft.com/office/powerpoint/2010/main" val="2279299327"/>
       </p:ext>
     </p:extLst>
   </p:cSld>
@@ -6716,7 +7102,7 @@
 </p:sld>
 </file>
 
-<file path=ppt/slides/slide19.xml><?xml version="1.0" encoding="utf-8"?>
+<file path=ppt/slides/slide17.xml><?xml version="1.0" encoding="utf-8"?>
 <p:sld xmlns:a="http://schemas.openxmlformats.org/drawingml/2006/main" xmlns:r="http://schemas.openxmlformats.org/officeDocument/2006/relationships" xmlns:p="http://schemas.openxmlformats.org/presentationml/2006/main">
   <p:cSld>
     <p:spTree>
@@ -6738,215 +7124,6 @@
           <p:cNvPr id="2" name="Title 1">
             <a:extLst>
               <a:ext uri="{FF2B5EF4-FFF2-40B4-BE49-F238E27FC236}">
-                <a16:creationId xmlns:a16="http://schemas.microsoft.com/office/drawing/2014/main" id="{6CD7F541-3CCA-4A3A-9E24-5EB4A9271B7C}"/>
-              </a:ext>
-            </a:extLst>
-          </p:cNvPr>
-          <p:cNvSpPr>
-            <a:spLocks noGrp="1"/>
-          </p:cNvSpPr>
-          <p:nvPr>
-            <p:ph type="title"/>
-          </p:nvPr>
-        </p:nvSpPr>
-        <p:spPr>
-          <a:xfrm>
-            <a:off x="838200" y="365125"/>
-            <a:ext cx="3477236" cy="1325563"/>
-          </a:xfrm>
-        </p:spPr>
-        <p:txBody>
-          <a:bodyPr>
-            <a:normAutofit/>
-          </a:bodyPr>
-          <a:lstStyle/>
-          <a:p>
-            <a:r>
-              <a:rPr lang="en-US" dirty="0"/>
-              <a:t>Feature Importance</a:t>
-            </a:r>
-          </a:p>
-        </p:txBody>
-      </p:sp>
-      <p:sp>
-        <p:nvSpPr>
-          <p:cNvPr id="3" name="Content Placeholder 2">
-            <a:extLst>
-              <a:ext uri="{FF2B5EF4-FFF2-40B4-BE49-F238E27FC236}">
-                <a16:creationId xmlns:a16="http://schemas.microsoft.com/office/drawing/2014/main" id="{2AF6FF7C-5AE0-4C3E-A22F-2E8792F50FFF}"/>
-              </a:ext>
-            </a:extLst>
-          </p:cNvPr>
-          <p:cNvSpPr>
-            <a:spLocks noGrp="1"/>
-          </p:cNvSpPr>
-          <p:nvPr>
-            <p:ph idx="1"/>
-          </p:nvPr>
-        </p:nvSpPr>
-        <p:spPr>
-          <a:xfrm>
-            <a:off x="838201" y="1825625"/>
-            <a:ext cx="3477236" cy="4351338"/>
-          </a:xfrm>
-        </p:spPr>
-        <p:txBody>
-          <a:bodyPr/>
-          <a:lstStyle/>
-          <a:p>
-            <a:endParaRPr lang="en-US" dirty="0"/>
-          </a:p>
-        </p:txBody>
-      </p:sp>
-      <p:pic>
-        <p:nvPicPr>
-          <p:cNvPr id="5" name="Picture 4">
-            <a:extLst>
-              <a:ext uri="{FF2B5EF4-FFF2-40B4-BE49-F238E27FC236}">
-                <a16:creationId xmlns:a16="http://schemas.microsoft.com/office/drawing/2014/main" id="{03F3207E-8716-4806-821B-16C1C7706E29}"/>
-              </a:ext>
-            </a:extLst>
-          </p:cNvPr>
-          <p:cNvPicPr/>
-          <p:nvPr/>
-        </p:nvPicPr>
-        <p:blipFill>
-          <a:blip r:embed="rId2"/>
-          <a:stretch>
-            <a:fillRect/>
-          </a:stretch>
-        </p:blipFill>
-        <p:spPr>
-          <a:xfrm>
-            <a:off x="4315436" y="681037"/>
-            <a:ext cx="7739544" cy="5811838"/>
-          </a:xfrm>
-          <a:prstGeom prst="rect">
-            <a:avLst/>
-          </a:prstGeom>
-        </p:spPr>
-      </p:pic>
-    </p:spTree>
-    <p:extLst>
-      <p:ext uri="{BB962C8B-B14F-4D97-AF65-F5344CB8AC3E}">
-        <p14:creationId xmlns:p14="http://schemas.microsoft.com/office/powerpoint/2010/main" val="2279299327"/>
-      </p:ext>
-    </p:extLst>
-  </p:cSld>
-  <p:clrMapOvr>
-    <a:masterClrMapping/>
-  </p:clrMapOvr>
-</p:sld>
-</file>
-
-<file path=ppt/slides/slide2.xml><?xml version="1.0" encoding="utf-8"?>
-<p:sld xmlns:a="http://schemas.openxmlformats.org/drawingml/2006/main" xmlns:r="http://schemas.openxmlformats.org/officeDocument/2006/relationships" xmlns:p="http://schemas.openxmlformats.org/presentationml/2006/main">
-  <p:cSld>
-    <p:spTree>
-      <p:nvGrpSpPr>
-        <p:cNvPr id="1" name=""/>
-        <p:cNvGrpSpPr/>
-        <p:nvPr/>
-      </p:nvGrpSpPr>
-      <p:grpSpPr>
-        <a:xfrm>
-          <a:off x="0" y="0"/>
-          <a:ext cx="0" cy="0"/>
-          <a:chOff x="0" y="0"/>
-          <a:chExt cx="0" cy="0"/>
-        </a:xfrm>
-      </p:grpSpPr>
-      <p:sp>
-        <p:nvSpPr>
-          <p:cNvPr id="2" name="Title 1">
-            <a:extLst>
-              <a:ext uri="{FF2B5EF4-FFF2-40B4-BE49-F238E27FC236}">
-                <a16:creationId xmlns:a16="http://schemas.microsoft.com/office/drawing/2014/main" id="{74D8C0BB-B848-41D9-8421-A0D98DFDA2D8}"/>
-              </a:ext>
-            </a:extLst>
-          </p:cNvPr>
-          <p:cNvSpPr>
-            <a:spLocks noGrp="1"/>
-          </p:cNvSpPr>
-          <p:nvPr>
-            <p:ph type="title"/>
-          </p:nvPr>
-        </p:nvSpPr>
-        <p:spPr/>
-        <p:txBody>
-          <a:bodyPr/>
-          <a:lstStyle/>
-          <a:p>
-            <a:r>
-              <a:rPr lang="en-US" dirty="0"/>
-              <a:t>Definition</a:t>
-            </a:r>
-          </a:p>
-        </p:txBody>
-      </p:sp>
-      <p:sp>
-        <p:nvSpPr>
-          <p:cNvPr id="3" name="Content Placeholder 2">
-            <a:extLst>
-              <a:ext uri="{FF2B5EF4-FFF2-40B4-BE49-F238E27FC236}">
-                <a16:creationId xmlns:a16="http://schemas.microsoft.com/office/drawing/2014/main" id="{C6B3BAD4-450A-45B9-AD16-728DF754CCD2}"/>
-              </a:ext>
-            </a:extLst>
-          </p:cNvPr>
-          <p:cNvSpPr>
-            <a:spLocks noGrp="1"/>
-          </p:cNvSpPr>
-          <p:nvPr>
-            <p:ph idx="1"/>
-          </p:nvPr>
-        </p:nvSpPr>
-        <p:spPr/>
-        <p:txBody>
-          <a:bodyPr/>
-          <a:lstStyle/>
-          <a:p>
-            <a:r>
-              <a:rPr lang="en-US" dirty="0"/>
-              <a:t>Thyroid disease is a medical condition affecting the function of the thyroid gland. The symptoms of the disease vary depending on the type of thyroid disease.</a:t>
-            </a:r>
-          </a:p>
-        </p:txBody>
-      </p:sp>
-    </p:spTree>
-    <p:extLst>
-      <p:ext uri="{BB962C8B-B14F-4D97-AF65-F5344CB8AC3E}">
-        <p14:creationId xmlns:p14="http://schemas.microsoft.com/office/powerpoint/2010/main" val="3978179764"/>
-      </p:ext>
-    </p:extLst>
-  </p:cSld>
-  <p:clrMapOvr>
-    <a:masterClrMapping/>
-  </p:clrMapOvr>
-</p:sld>
-</file>
-
-<file path=ppt/slides/slide20.xml><?xml version="1.0" encoding="utf-8"?>
-<p:sld xmlns:a="http://schemas.openxmlformats.org/drawingml/2006/main" xmlns:r="http://schemas.openxmlformats.org/officeDocument/2006/relationships" xmlns:p="http://schemas.openxmlformats.org/presentationml/2006/main">
-  <p:cSld>
-    <p:spTree>
-      <p:nvGrpSpPr>
-        <p:cNvPr id="1" name=""/>
-        <p:cNvGrpSpPr/>
-        <p:nvPr/>
-      </p:nvGrpSpPr>
-      <p:grpSpPr>
-        <a:xfrm>
-          <a:off x="0" y="0"/>
-          <a:ext cx="0" cy="0"/>
-          <a:chOff x="0" y="0"/>
-          <a:chExt cx="0" cy="0"/>
-        </a:xfrm>
-      </p:grpSpPr>
-      <p:sp>
-        <p:nvSpPr>
-          <p:cNvPr id="2" name="Title 1">
-            <a:extLst>
-              <a:ext uri="{FF2B5EF4-FFF2-40B4-BE49-F238E27FC236}">
                 <a16:creationId xmlns:a16="http://schemas.microsoft.com/office/drawing/2014/main" id="{2E11379A-5CD0-459F-93B6-950DED807AE0}"/>
               </a:ext>
             </a:extLst>
@@ -7000,18 +7177,42 @@
           </a:xfrm>
         </p:spPr>
         <p:txBody>
-          <a:bodyPr/>
+          <a:bodyPr>
+            <a:normAutofit/>
+          </a:bodyPr>
           <a:lstStyle/>
           <a:p>
             <a:r>
-              <a:rPr lang="en-US" dirty="0"/>
-              <a:t>Base Model</a:t>
-            </a:r>
-          </a:p>
-          <a:p>
-            <a:r>
-              <a:rPr lang="en-US" dirty="0"/>
+              <a:rPr lang="en-US" sz="2400" dirty="0"/>
+              <a:t>Base Model </a:t>
+            </a:r>
+          </a:p>
+          <a:p>
+            <a:pPr lvl="1"/>
+            <a:r>
+              <a:rPr lang="en-US" sz="2000" dirty="0" err="1"/>
+              <a:t>LogisticRegression</a:t>
+            </a:r>
+            <a:r>
+              <a:rPr lang="en-US" sz="2000" dirty="0"/>
+              <a:t> L1 regularization</a:t>
+            </a:r>
+          </a:p>
+          <a:p>
+            <a:r>
+              <a:rPr lang="en-US" sz="2400" dirty="0"/>
               <a:t>Best Model</a:t>
+            </a:r>
+          </a:p>
+          <a:p>
+            <a:pPr lvl="1"/>
+            <a:r>
+              <a:rPr lang="en-US" sz="2000" dirty="0" err="1"/>
+              <a:t>RandomForestClassifier</a:t>
+            </a:r>
+            <a:r>
+              <a:rPr lang="en-US" sz="2000" dirty="0"/>
+              <a:t> using SMOTE</a:t>
             </a:r>
           </a:p>
         </p:txBody>
@@ -7065,10 +7266,245 @@
   <p:clrMapOvr>
     <a:masterClrMapping/>
   </p:clrMapOvr>
+  <p:timing>
+    <p:tnLst>
+      <p:par>
+        <p:cTn id="1" dur="indefinite" restart="never" nodeType="tmRoot">
+          <p:childTnLst>
+            <p:seq concurrent="1" nextAc="seek">
+              <p:cTn id="2" dur="indefinite" nodeType="mainSeq">
+                <p:childTnLst>
+                  <p:par>
+                    <p:cTn id="3" fill="hold">
+                      <p:stCondLst>
+                        <p:cond delay="indefinite"/>
+                      </p:stCondLst>
+                      <p:childTnLst>
+                        <p:par>
+                          <p:cTn id="4" fill="hold">
+                            <p:stCondLst>
+                              <p:cond delay="0"/>
+                            </p:stCondLst>
+                            <p:childTnLst>
+                              <p:par>
+                                <p:cTn id="5" presetID="1" presetClass="entr" presetSubtype="0" fill="hold" nodeType="clickEffect">
+                                  <p:stCondLst>
+                                    <p:cond delay="0"/>
+                                  </p:stCondLst>
+                                  <p:childTnLst>
+                                    <p:set>
+                                      <p:cBhvr>
+                                        <p:cTn id="6" dur="1" fill="hold">
+                                          <p:stCondLst>
+                                            <p:cond delay="0"/>
+                                          </p:stCondLst>
+                                        </p:cTn>
+                                        <p:tgtEl>
+                                          <p:spTgt spid="3">
+                                            <p:txEl>
+                                              <p:pRg st="0" end="0"/>
+                                            </p:txEl>
+                                          </p:spTgt>
+                                        </p:tgtEl>
+                                        <p:attrNameLst>
+                                          <p:attrName>style.visibility</p:attrName>
+                                        </p:attrNameLst>
+                                      </p:cBhvr>
+                                      <p:to>
+                                        <p:strVal val="visible"/>
+                                      </p:to>
+                                    </p:set>
+                                  </p:childTnLst>
+                                </p:cTn>
+                              </p:par>
+                              <p:par>
+                                <p:cTn id="7" presetID="1" presetClass="entr" presetSubtype="0" fill="hold" nodeType="withEffect">
+                                  <p:stCondLst>
+                                    <p:cond delay="0"/>
+                                  </p:stCondLst>
+                                  <p:childTnLst>
+                                    <p:set>
+                                      <p:cBhvr>
+                                        <p:cTn id="8" dur="1" fill="hold">
+                                          <p:stCondLst>
+                                            <p:cond delay="0"/>
+                                          </p:stCondLst>
+                                        </p:cTn>
+                                        <p:tgtEl>
+                                          <p:spTgt spid="3">
+                                            <p:txEl>
+                                              <p:pRg st="1" end="1"/>
+                                            </p:txEl>
+                                          </p:spTgt>
+                                        </p:tgtEl>
+                                        <p:attrNameLst>
+                                          <p:attrName>style.visibility</p:attrName>
+                                        </p:attrNameLst>
+                                      </p:cBhvr>
+                                      <p:to>
+                                        <p:strVal val="visible"/>
+                                      </p:to>
+                                    </p:set>
+                                  </p:childTnLst>
+                                </p:cTn>
+                              </p:par>
+                            </p:childTnLst>
+                          </p:cTn>
+                        </p:par>
+                      </p:childTnLst>
+                    </p:cTn>
+                  </p:par>
+                  <p:par>
+                    <p:cTn id="9" fill="hold">
+                      <p:stCondLst>
+                        <p:cond delay="indefinite"/>
+                      </p:stCondLst>
+                      <p:childTnLst>
+                        <p:par>
+                          <p:cTn id="10" fill="hold">
+                            <p:stCondLst>
+                              <p:cond delay="0"/>
+                            </p:stCondLst>
+                            <p:childTnLst>
+                              <p:par>
+                                <p:cTn id="11" presetID="1" presetClass="entr" presetSubtype="0" fill="hold" nodeType="clickEffect">
+                                  <p:stCondLst>
+                                    <p:cond delay="0"/>
+                                  </p:stCondLst>
+                                  <p:childTnLst>
+                                    <p:set>
+                                      <p:cBhvr>
+                                        <p:cTn id="12" dur="1" fill="hold">
+                                          <p:stCondLst>
+                                            <p:cond delay="0"/>
+                                          </p:stCondLst>
+                                        </p:cTn>
+                                        <p:tgtEl>
+                                          <p:spTgt spid="4"/>
+                                        </p:tgtEl>
+                                        <p:attrNameLst>
+                                          <p:attrName>style.visibility</p:attrName>
+                                        </p:attrNameLst>
+                                      </p:cBhvr>
+                                      <p:to>
+                                        <p:strVal val="visible"/>
+                                      </p:to>
+                                    </p:set>
+                                  </p:childTnLst>
+                                </p:cTn>
+                              </p:par>
+                            </p:childTnLst>
+                          </p:cTn>
+                        </p:par>
+                      </p:childTnLst>
+                    </p:cTn>
+                  </p:par>
+                  <p:par>
+                    <p:cTn id="13" fill="hold">
+                      <p:stCondLst>
+                        <p:cond delay="indefinite"/>
+                      </p:stCondLst>
+                      <p:childTnLst>
+                        <p:par>
+                          <p:cTn id="14" fill="hold">
+                            <p:stCondLst>
+                              <p:cond delay="0"/>
+                            </p:stCondLst>
+                            <p:childTnLst>
+                              <p:par>
+                                <p:cTn id="15" presetID="1" presetClass="entr" presetSubtype="0" fill="hold" nodeType="clickEffect">
+                                  <p:stCondLst>
+                                    <p:cond delay="0"/>
+                                  </p:stCondLst>
+                                  <p:childTnLst>
+                                    <p:set>
+                                      <p:cBhvr>
+                                        <p:cTn id="16" dur="1" fill="hold">
+                                          <p:stCondLst>
+                                            <p:cond delay="0"/>
+                                          </p:stCondLst>
+                                        </p:cTn>
+                                        <p:tgtEl>
+                                          <p:spTgt spid="3">
+                                            <p:txEl>
+                                              <p:pRg st="2" end="2"/>
+                                            </p:txEl>
+                                          </p:spTgt>
+                                        </p:tgtEl>
+                                        <p:attrNameLst>
+                                          <p:attrName>style.visibility</p:attrName>
+                                        </p:attrNameLst>
+                                      </p:cBhvr>
+                                      <p:to>
+                                        <p:strVal val="visible"/>
+                                      </p:to>
+                                    </p:set>
+                                  </p:childTnLst>
+                                </p:cTn>
+                              </p:par>
+                              <p:par>
+                                <p:cTn id="17" presetID="1" presetClass="entr" presetSubtype="0" fill="hold" nodeType="withEffect">
+                                  <p:stCondLst>
+                                    <p:cond delay="0"/>
+                                  </p:stCondLst>
+                                  <p:childTnLst>
+                                    <p:set>
+                                      <p:cBhvr>
+                                        <p:cTn id="18" dur="1" fill="hold">
+                                          <p:stCondLst>
+                                            <p:cond delay="0"/>
+                                          </p:stCondLst>
+                                        </p:cTn>
+                                        <p:tgtEl>
+                                          <p:spTgt spid="3">
+                                            <p:txEl>
+                                              <p:pRg st="3" end="3"/>
+                                            </p:txEl>
+                                          </p:spTgt>
+                                        </p:tgtEl>
+                                        <p:attrNameLst>
+                                          <p:attrName>style.visibility</p:attrName>
+                                        </p:attrNameLst>
+                                      </p:cBhvr>
+                                      <p:to>
+                                        <p:strVal val="visible"/>
+                                      </p:to>
+                                    </p:set>
+                                  </p:childTnLst>
+                                </p:cTn>
+                              </p:par>
+                            </p:childTnLst>
+                          </p:cTn>
+                        </p:par>
+                      </p:childTnLst>
+                    </p:cTn>
+                  </p:par>
+                </p:childTnLst>
+              </p:cTn>
+              <p:prevCondLst>
+                <p:cond evt="onPrev" delay="0">
+                  <p:tgtEl>
+                    <p:sldTgt/>
+                  </p:tgtEl>
+                </p:cond>
+              </p:prevCondLst>
+              <p:nextCondLst>
+                <p:cond evt="onNext" delay="0">
+                  <p:tgtEl>
+                    <p:sldTgt/>
+                  </p:tgtEl>
+                </p:cond>
+              </p:nextCondLst>
+            </p:seq>
+          </p:childTnLst>
+        </p:cTn>
+      </p:par>
+    </p:tnLst>
+  </p:timing>
 </p:sld>
 </file>
 
-<file path=ppt/slides/slide21.xml><?xml version="1.0" encoding="utf-8"?>
+<file path=ppt/slides/slide18.xml><?xml version="1.0" encoding="utf-8"?>
 <p:sld xmlns:a="http://schemas.openxmlformats.org/drawingml/2006/main" xmlns:r="http://schemas.openxmlformats.org/officeDocument/2006/relationships" xmlns:p="http://schemas.openxmlformats.org/presentationml/2006/main">
   <p:cSld>
     <p:spTree>
@@ -7134,7 +7570,31 @@
           <a:bodyPr/>
           <a:lstStyle/>
           <a:p>
-            <a:endParaRPr lang="en-US"/>
+            <a:r>
+              <a:rPr lang="en-US" sz="2400" dirty="0"/>
+              <a:t>People suffering from thyroid disease is very low (imbalanced data).</a:t>
+            </a:r>
+          </a:p>
+          <a:p>
+            <a:r>
+              <a:rPr lang="en-US" sz="2400" dirty="0"/>
+              <a:t>Re-sampling was done to increase the classifier performance (maximizing minority class).</a:t>
+            </a:r>
+          </a:p>
+          <a:p>
+            <a:r>
+              <a:rPr lang="en-US" sz="2400" dirty="0"/>
+              <a:t>Random Forest Classifier using re-sampled data performed the best.</a:t>
+            </a:r>
+          </a:p>
+          <a:p>
+            <a:r>
+              <a:rPr lang="en-US" sz="2400" dirty="0"/>
+              <a:t>Model can be used by the physicians to make predictions.</a:t>
+            </a:r>
+          </a:p>
+          <a:p>
+            <a:endParaRPr lang="en-US" dirty="0"/>
           </a:p>
         </p:txBody>
       </p:sp>
@@ -7148,10 +7608,236 @@
   <p:clrMapOvr>
     <a:masterClrMapping/>
   </p:clrMapOvr>
+  <p:timing>
+    <p:tnLst>
+      <p:par>
+        <p:cTn id="1" dur="indefinite" restart="never" nodeType="tmRoot">
+          <p:childTnLst>
+            <p:seq concurrent="1" nextAc="seek">
+              <p:cTn id="2" dur="indefinite" nodeType="mainSeq">
+                <p:childTnLst>
+                  <p:par>
+                    <p:cTn id="3" fill="hold">
+                      <p:stCondLst>
+                        <p:cond delay="indefinite"/>
+                      </p:stCondLst>
+                      <p:childTnLst>
+                        <p:par>
+                          <p:cTn id="4" fill="hold">
+                            <p:stCondLst>
+                              <p:cond delay="0"/>
+                            </p:stCondLst>
+                            <p:childTnLst>
+                              <p:par>
+                                <p:cTn id="5" presetID="1" presetClass="entr" presetSubtype="0" fill="hold" nodeType="clickEffect">
+                                  <p:stCondLst>
+                                    <p:cond delay="0"/>
+                                  </p:stCondLst>
+                                  <p:childTnLst>
+                                    <p:set>
+                                      <p:cBhvr>
+                                        <p:cTn id="6" dur="1" fill="hold">
+                                          <p:stCondLst>
+                                            <p:cond delay="0"/>
+                                          </p:stCondLst>
+                                        </p:cTn>
+                                        <p:tgtEl>
+                                          <p:spTgt spid="3">
+                                            <p:txEl>
+                                              <p:pRg st="0" end="0"/>
+                                            </p:txEl>
+                                          </p:spTgt>
+                                        </p:tgtEl>
+                                        <p:attrNameLst>
+                                          <p:attrName>style.visibility</p:attrName>
+                                        </p:attrNameLst>
+                                      </p:cBhvr>
+                                      <p:to>
+                                        <p:strVal val="visible"/>
+                                      </p:to>
+                                    </p:set>
+                                  </p:childTnLst>
+                                </p:cTn>
+                              </p:par>
+                            </p:childTnLst>
+                          </p:cTn>
+                        </p:par>
+                      </p:childTnLst>
+                    </p:cTn>
+                  </p:par>
+                  <p:par>
+                    <p:cTn id="7" fill="hold">
+                      <p:stCondLst>
+                        <p:cond delay="indefinite"/>
+                      </p:stCondLst>
+                      <p:childTnLst>
+                        <p:par>
+                          <p:cTn id="8" fill="hold">
+                            <p:stCondLst>
+                              <p:cond delay="0"/>
+                            </p:stCondLst>
+                            <p:childTnLst>
+                              <p:par>
+                                <p:cTn id="9" presetID="1" presetClass="entr" presetSubtype="0" fill="hold" nodeType="clickEffect">
+                                  <p:stCondLst>
+                                    <p:cond delay="0"/>
+                                  </p:stCondLst>
+                                  <p:childTnLst>
+                                    <p:set>
+                                      <p:cBhvr>
+                                        <p:cTn id="10" dur="1" fill="hold">
+                                          <p:stCondLst>
+                                            <p:cond delay="0"/>
+                                          </p:stCondLst>
+                                        </p:cTn>
+                                        <p:tgtEl>
+                                          <p:spTgt spid="3">
+                                            <p:txEl>
+                                              <p:pRg st="1" end="1"/>
+                                            </p:txEl>
+                                          </p:spTgt>
+                                        </p:tgtEl>
+                                        <p:attrNameLst>
+                                          <p:attrName>style.visibility</p:attrName>
+                                        </p:attrNameLst>
+                                      </p:cBhvr>
+                                      <p:to>
+                                        <p:strVal val="visible"/>
+                                      </p:to>
+                                    </p:set>
+                                  </p:childTnLst>
+                                </p:cTn>
+                              </p:par>
+                            </p:childTnLst>
+                          </p:cTn>
+                        </p:par>
+                      </p:childTnLst>
+                    </p:cTn>
+                  </p:par>
+                  <p:par>
+                    <p:cTn id="11" fill="hold">
+                      <p:stCondLst>
+                        <p:cond delay="indefinite"/>
+                      </p:stCondLst>
+                      <p:childTnLst>
+                        <p:par>
+                          <p:cTn id="12" fill="hold">
+                            <p:stCondLst>
+                              <p:cond delay="0"/>
+                            </p:stCondLst>
+                            <p:childTnLst>
+                              <p:par>
+                                <p:cTn id="13" presetID="1" presetClass="entr" presetSubtype="0" fill="hold" nodeType="clickEffect">
+                                  <p:stCondLst>
+                                    <p:cond delay="0"/>
+                                  </p:stCondLst>
+                                  <p:childTnLst>
+                                    <p:set>
+                                      <p:cBhvr>
+                                        <p:cTn id="14" dur="1" fill="hold">
+                                          <p:stCondLst>
+                                            <p:cond delay="0"/>
+                                          </p:stCondLst>
+                                        </p:cTn>
+                                        <p:tgtEl>
+                                          <p:spTgt spid="3">
+                                            <p:txEl>
+                                              <p:pRg st="2" end="2"/>
+                                            </p:txEl>
+                                          </p:spTgt>
+                                        </p:tgtEl>
+                                        <p:attrNameLst>
+                                          <p:attrName>style.visibility</p:attrName>
+                                        </p:attrNameLst>
+                                      </p:cBhvr>
+                                      <p:to>
+                                        <p:strVal val="visible"/>
+                                      </p:to>
+                                    </p:set>
+                                  </p:childTnLst>
+                                </p:cTn>
+                              </p:par>
+                            </p:childTnLst>
+                          </p:cTn>
+                        </p:par>
+                      </p:childTnLst>
+                    </p:cTn>
+                  </p:par>
+                  <p:par>
+                    <p:cTn id="15" fill="hold">
+                      <p:stCondLst>
+                        <p:cond delay="indefinite"/>
+                      </p:stCondLst>
+                      <p:childTnLst>
+                        <p:par>
+                          <p:cTn id="16" fill="hold">
+                            <p:stCondLst>
+                              <p:cond delay="0"/>
+                            </p:stCondLst>
+                            <p:childTnLst>
+                              <p:par>
+                                <p:cTn id="17" presetID="1" presetClass="entr" presetSubtype="0" fill="hold" nodeType="clickEffect">
+                                  <p:stCondLst>
+                                    <p:cond delay="0"/>
+                                  </p:stCondLst>
+                                  <p:childTnLst>
+                                    <p:set>
+                                      <p:cBhvr>
+                                        <p:cTn id="18" dur="1" fill="hold">
+                                          <p:stCondLst>
+                                            <p:cond delay="0"/>
+                                          </p:stCondLst>
+                                        </p:cTn>
+                                        <p:tgtEl>
+                                          <p:spTgt spid="3">
+                                            <p:txEl>
+                                              <p:pRg st="3" end="3"/>
+                                            </p:txEl>
+                                          </p:spTgt>
+                                        </p:tgtEl>
+                                        <p:attrNameLst>
+                                          <p:attrName>style.visibility</p:attrName>
+                                        </p:attrNameLst>
+                                      </p:cBhvr>
+                                      <p:to>
+                                        <p:strVal val="visible"/>
+                                      </p:to>
+                                    </p:set>
+                                  </p:childTnLst>
+                                </p:cTn>
+                              </p:par>
+                            </p:childTnLst>
+                          </p:cTn>
+                        </p:par>
+                      </p:childTnLst>
+                    </p:cTn>
+                  </p:par>
+                </p:childTnLst>
+              </p:cTn>
+              <p:prevCondLst>
+                <p:cond evt="onPrev" delay="0">
+                  <p:tgtEl>
+                    <p:sldTgt/>
+                  </p:tgtEl>
+                </p:cond>
+              </p:prevCondLst>
+              <p:nextCondLst>
+                <p:cond evt="onNext" delay="0">
+                  <p:tgtEl>
+                    <p:sldTgt/>
+                  </p:tgtEl>
+                </p:cond>
+              </p:nextCondLst>
+            </p:seq>
+          </p:childTnLst>
+        </p:cTn>
+      </p:par>
+    </p:tnLst>
+  </p:timing>
 </p:sld>
 </file>
 
-<file path=ppt/slides/slide22.xml><?xml version="1.0" encoding="utf-8"?>
+<file path=ppt/slides/slide19.xml><?xml version="1.0" encoding="utf-8"?>
 <p:sld xmlns:a="http://schemas.openxmlformats.org/drawingml/2006/main" xmlns:r="http://schemas.openxmlformats.org/officeDocument/2006/relationships" xmlns:p="http://schemas.openxmlformats.org/presentationml/2006/main">
   <p:cSld>
     <p:spTree>
@@ -7214,10 +7900,37 @@
         </p:nvSpPr>
         <p:spPr/>
         <p:txBody>
-          <a:bodyPr/>
+          <a:bodyPr>
+            <a:normAutofit/>
+          </a:bodyPr>
           <a:lstStyle/>
           <a:p>
-            <a:endParaRPr lang="en-US"/>
+            <a:pPr lvl="0"/>
+            <a:r>
+              <a:rPr lang="en-US" sz="2400" dirty="0"/>
+              <a:t>If new data comes with existing features and additional features (height, weight) we can use those additional features to verify its contribution, correlation, etc.</a:t>
+            </a:r>
+          </a:p>
+          <a:p>
+            <a:pPr lvl="0"/>
+            <a:r>
+              <a:rPr lang="en-US" sz="2400" dirty="0"/>
+              <a:t>If patient history is maintained or tracked, we can add more data and engineer more features. </a:t>
+            </a:r>
+          </a:p>
+          <a:p>
+            <a:pPr lvl="0"/>
+            <a:r>
+              <a:rPr lang="en-US" sz="2400" dirty="0"/>
+              <a:t>After treatment is administered, measurements are to be noted before and after so to understand the effectiveness of the treatment, which can provide additional features for different types of treatments.</a:t>
+            </a:r>
+          </a:p>
+          <a:p>
+            <a:pPr lvl="0"/>
+            <a:r>
+              <a:rPr lang="en-US" sz="2400" dirty="0"/>
+              <a:t>With more data and features we are not only trying to make better predictions, but understanding connections between the features.</a:t>
+            </a:r>
           </a:p>
         </p:txBody>
       </p:sp>
@@ -7231,10 +7944,625 @@
   <p:clrMapOvr>
     <a:masterClrMapping/>
   </p:clrMapOvr>
+  <p:timing>
+    <p:tnLst>
+      <p:par>
+        <p:cTn id="1" dur="indefinite" restart="never" nodeType="tmRoot">
+          <p:childTnLst>
+            <p:seq concurrent="1" nextAc="seek">
+              <p:cTn id="2" dur="indefinite" nodeType="mainSeq">
+                <p:childTnLst>
+                  <p:par>
+                    <p:cTn id="3" fill="hold">
+                      <p:stCondLst>
+                        <p:cond delay="indefinite"/>
+                      </p:stCondLst>
+                      <p:childTnLst>
+                        <p:par>
+                          <p:cTn id="4" fill="hold">
+                            <p:stCondLst>
+                              <p:cond delay="0"/>
+                            </p:stCondLst>
+                            <p:childTnLst>
+                              <p:par>
+                                <p:cTn id="5" presetID="1" presetClass="entr" presetSubtype="0" fill="hold" nodeType="clickEffect">
+                                  <p:stCondLst>
+                                    <p:cond delay="0"/>
+                                  </p:stCondLst>
+                                  <p:childTnLst>
+                                    <p:set>
+                                      <p:cBhvr>
+                                        <p:cTn id="6" dur="1" fill="hold">
+                                          <p:stCondLst>
+                                            <p:cond delay="0"/>
+                                          </p:stCondLst>
+                                        </p:cTn>
+                                        <p:tgtEl>
+                                          <p:spTgt spid="3">
+                                            <p:txEl>
+                                              <p:pRg st="0" end="0"/>
+                                            </p:txEl>
+                                          </p:spTgt>
+                                        </p:tgtEl>
+                                        <p:attrNameLst>
+                                          <p:attrName>style.visibility</p:attrName>
+                                        </p:attrNameLst>
+                                      </p:cBhvr>
+                                      <p:to>
+                                        <p:strVal val="visible"/>
+                                      </p:to>
+                                    </p:set>
+                                  </p:childTnLst>
+                                </p:cTn>
+                              </p:par>
+                            </p:childTnLst>
+                          </p:cTn>
+                        </p:par>
+                      </p:childTnLst>
+                    </p:cTn>
+                  </p:par>
+                  <p:par>
+                    <p:cTn id="7" fill="hold">
+                      <p:stCondLst>
+                        <p:cond delay="indefinite"/>
+                      </p:stCondLst>
+                      <p:childTnLst>
+                        <p:par>
+                          <p:cTn id="8" fill="hold">
+                            <p:stCondLst>
+                              <p:cond delay="0"/>
+                            </p:stCondLst>
+                            <p:childTnLst>
+                              <p:par>
+                                <p:cTn id="9" presetID="1" presetClass="entr" presetSubtype="0" fill="hold" nodeType="clickEffect">
+                                  <p:stCondLst>
+                                    <p:cond delay="0"/>
+                                  </p:stCondLst>
+                                  <p:childTnLst>
+                                    <p:set>
+                                      <p:cBhvr>
+                                        <p:cTn id="10" dur="1" fill="hold">
+                                          <p:stCondLst>
+                                            <p:cond delay="0"/>
+                                          </p:stCondLst>
+                                        </p:cTn>
+                                        <p:tgtEl>
+                                          <p:spTgt spid="3">
+                                            <p:txEl>
+                                              <p:pRg st="1" end="1"/>
+                                            </p:txEl>
+                                          </p:spTgt>
+                                        </p:tgtEl>
+                                        <p:attrNameLst>
+                                          <p:attrName>style.visibility</p:attrName>
+                                        </p:attrNameLst>
+                                      </p:cBhvr>
+                                      <p:to>
+                                        <p:strVal val="visible"/>
+                                      </p:to>
+                                    </p:set>
+                                  </p:childTnLst>
+                                </p:cTn>
+                              </p:par>
+                            </p:childTnLst>
+                          </p:cTn>
+                        </p:par>
+                      </p:childTnLst>
+                    </p:cTn>
+                  </p:par>
+                  <p:par>
+                    <p:cTn id="11" fill="hold">
+                      <p:stCondLst>
+                        <p:cond delay="indefinite"/>
+                      </p:stCondLst>
+                      <p:childTnLst>
+                        <p:par>
+                          <p:cTn id="12" fill="hold">
+                            <p:stCondLst>
+                              <p:cond delay="0"/>
+                            </p:stCondLst>
+                            <p:childTnLst>
+                              <p:par>
+                                <p:cTn id="13" presetID="1" presetClass="entr" presetSubtype="0" fill="hold" nodeType="clickEffect">
+                                  <p:stCondLst>
+                                    <p:cond delay="0"/>
+                                  </p:stCondLst>
+                                  <p:childTnLst>
+                                    <p:set>
+                                      <p:cBhvr>
+                                        <p:cTn id="14" dur="1" fill="hold">
+                                          <p:stCondLst>
+                                            <p:cond delay="0"/>
+                                          </p:stCondLst>
+                                        </p:cTn>
+                                        <p:tgtEl>
+                                          <p:spTgt spid="3">
+                                            <p:txEl>
+                                              <p:pRg st="2" end="2"/>
+                                            </p:txEl>
+                                          </p:spTgt>
+                                        </p:tgtEl>
+                                        <p:attrNameLst>
+                                          <p:attrName>style.visibility</p:attrName>
+                                        </p:attrNameLst>
+                                      </p:cBhvr>
+                                      <p:to>
+                                        <p:strVal val="visible"/>
+                                      </p:to>
+                                    </p:set>
+                                  </p:childTnLst>
+                                </p:cTn>
+                              </p:par>
+                            </p:childTnLst>
+                          </p:cTn>
+                        </p:par>
+                      </p:childTnLst>
+                    </p:cTn>
+                  </p:par>
+                  <p:par>
+                    <p:cTn id="15" fill="hold">
+                      <p:stCondLst>
+                        <p:cond delay="indefinite"/>
+                      </p:stCondLst>
+                      <p:childTnLst>
+                        <p:par>
+                          <p:cTn id="16" fill="hold">
+                            <p:stCondLst>
+                              <p:cond delay="0"/>
+                            </p:stCondLst>
+                            <p:childTnLst>
+                              <p:par>
+                                <p:cTn id="17" presetID="1" presetClass="entr" presetSubtype="0" fill="hold" nodeType="clickEffect">
+                                  <p:stCondLst>
+                                    <p:cond delay="0"/>
+                                  </p:stCondLst>
+                                  <p:childTnLst>
+                                    <p:set>
+                                      <p:cBhvr>
+                                        <p:cTn id="18" dur="1" fill="hold">
+                                          <p:stCondLst>
+                                            <p:cond delay="0"/>
+                                          </p:stCondLst>
+                                        </p:cTn>
+                                        <p:tgtEl>
+                                          <p:spTgt spid="3">
+                                            <p:txEl>
+                                              <p:pRg st="3" end="3"/>
+                                            </p:txEl>
+                                          </p:spTgt>
+                                        </p:tgtEl>
+                                        <p:attrNameLst>
+                                          <p:attrName>style.visibility</p:attrName>
+                                        </p:attrNameLst>
+                                      </p:cBhvr>
+                                      <p:to>
+                                        <p:strVal val="visible"/>
+                                      </p:to>
+                                    </p:set>
+                                  </p:childTnLst>
+                                </p:cTn>
+                              </p:par>
+                            </p:childTnLst>
+                          </p:cTn>
+                        </p:par>
+                      </p:childTnLst>
+                    </p:cTn>
+                  </p:par>
+                </p:childTnLst>
+              </p:cTn>
+              <p:prevCondLst>
+                <p:cond evt="onPrev" delay="0">
+                  <p:tgtEl>
+                    <p:sldTgt/>
+                  </p:tgtEl>
+                </p:cond>
+              </p:prevCondLst>
+              <p:nextCondLst>
+                <p:cond evt="onNext" delay="0">
+                  <p:tgtEl>
+                    <p:sldTgt/>
+                  </p:tgtEl>
+                </p:cond>
+              </p:nextCondLst>
+            </p:seq>
+          </p:childTnLst>
+        </p:cTn>
+      </p:par>
+    </p:tnLst>
+  </p:timing>
 </p:sld>
 </file>
 
-<file path=ppt/slides/slide23.xml><?xml version="1.0" encoding="utf-8"?>
+<file path=ppt/slides/slide2.xml><?xml version="1.0" encoding="utf-8"?>
+<p:sld xmlns:a="http://schemas.openxmlformats.org/drawingml/2006/main" xmlns:r="http://schemas.openxmlformats.org/officeDocument/2006/relationships" xmlns:p="http://schemas.openxmlformats.org/presentationml/2006/main">
+  <p:cSld>
+    <p:spTree>
+      <p:nvGrpSpPr>
+        <p:cNvPr id="1" name=""/>
+        <p:cNvGrpSpPr/>
+        <p:nvPr/>
+      </p:nvGrpSpPr>
+      <p:grpSpPr>
+        <a:xfrm>
+          <a:off x="0" y="0"/>
+          <a:ext cx="0" cy="0"/>
+          <a:chOff x="0" y="0"/>
+          <a:chExt cx="0" cy="0"/>
+        </a:xfrm>
+      </p:grpSpPr>
+      <p:sp>
+        <p:nvSpPr>
+          <p:cNvPr id="3" name="Content Placeholder 2">
+            <a:extLst>
+              <a:ext uri="{FF2B5EF4-FFF2-40B4-BE49-F238E27FC236}">
+                <a16:creationId xmlns:a16="http://schemas.microsoft.com/office/drawing/2014/main" id="{C6B3BAD4-450A-45B9-AD16-728DF754CCD2}"/>
+              </a:ext>
+            </a:extLst>
+          </p:cNvPr>
+          <p:cNvSpPr>
+            <a:spLocks noGrp="1"/>
+          </p:cNvSpPr>
+          <p:nvPr>
+            <p:ph idx="1"/>
+          </p:nvPr>
+        </p:nvSpPr>
+        <p:spPr>
+          <a:xfrm>
+            <a:off x="838200" y="603682"/>
+            <a:ext cx="10515600" cy="5573281"/>
+          </a:xfrm>
+        </p:spPr>
+        <p:txBody>
+          <a:bodyPr>
+            <a:normAutofit/>
+          </a:bodyPr>
+          <a:lstStyle/>
+          <a:p>
+            <a:pPr marL="0" indent="0">
+              <a:buNone/>
+            </a:pPr>
+            <a:r>
+              <a:rPr lang="en-US" dirty="0"/>
+              <a:t>Definition:</a:t>
+            </a:r>
+          </a:p>
+          <a:p>
+            <a:pPr marL="457200" lvl="1" indent="0">
+              <a:buNone/>
+            </a:pPr>
+            <a:r>
+              <a:rPr lang="en-US" dirty="0"/>
+              <a:t>Thyroid disease is a medical condition affecting the function of the thyroid gland. The symptoms of the disease vary depending on the type of thyroid disease.</a:t>
+            </a:r>
+          </a:p>
+          <a:p>
+            <a:pPr marL="0" indent="0">
+              <a:buNone/>
+            </a:pPr>
+            <a:r>
+              <a:rPr lang="en-US" dirty="0"/>
+              <a:t>Intention</a:t>
+            </a:r>
+          </a:p>
+          <a:p>
+            <a:pPr marL="457200" lvl="1" indent="0">
+              <a:buNone/>
+            </a:pPr>
+            <a:r>
+              <a:rPr lang="en-US" dirty="0"/>
+              <a:t>A physician needs to know the demographics associated with individuals suffering from thyroid disease and find what sector of people can be focused on so that they get admitted and get prior treatment.</a:t>
+            </a:r>
+          </a:p>
+          <a:p>
+            <a:pPr marL="0" indent="0">
+              <a:buNone/>
+            </a:pPr>
+            <a:r>
+              <a:rPr lang="en-US" dirty="0"/>
+              <a:t>Client</a:t>
+            </a:r>
+          </a:p>
+          <a:p>
+            <a:pPr marL="457200" lvl="1" indent="0">
+              <a:buNone/>
+            </a:pPr>
+            <a:r>
+              <a:rPr lang="en-US" dirty="0"/>
+              <a:t>Physicians who want to understand what kind of demographics, medication, etc. to consider while treating patients with thyroid disease so that the right group of people can get the proper care and treatment.</a:t>
+            </a:r>
+          </a:p>
+          <a:p>
+            <a:endParaRPr lang="en-US" dirty="0"/>
+          </a:p>
+          <a:p>
+            <a:endParaRPr lang="en-US" dirty="0"/>
+          </a:p>
+        </p:txBody>
+      </p:sp>
+    </p:spTree>
+    <p:extLst>
+      <p:ext uri="{BB962C8B-B14F-4D97-AF65-F5344CB8AC3E}">
+        <p14:creationId xmlns:p14="http://schemas.microsoft.com/office/powerpoint/2010/main" val="3978179764"/>
+      </p:ext>
+    </p:extLst>
+  </p:cSld>
+  <p:clrMapOvr>
+    <a:masterClrMapping/>
+  </p:clrMapOvr>
+  <p:timing>
+    <p:tnLst>
+      <p:par>
+        <p:cTn id="1" dur="indefinite" restart="never" nodeType="tmRoot">
+          <p:childTnLst>
+            <p:seq concurrent="1" nextAc="seek">
+              <p:cTn id="2" dur="indefinite" nodeType="mainSeq">
+                <p:childTnLst>
+                  <p:par>
+                    <p:cTn id="3" fill="hold">
+                      <p:stCondLst>
+                        <p:cond delay="indefinite"/>
+                      </p:stCondLst>
+                      <p:childTnLst>
+                        <p:par>
+                          <p:cTn id="4" fill="hold">
+                            <p:stCondLst>
+                              <p:cond delay="0"/>
+                            </p:stCondLst>
+                            <p:childTnLst>
+                              <p:par>
+                                <p:cTn id="5" presetID="1" presetClass="entr" presetSubtype="0" fill="hold" nodeType="clickEffect">
+                                  <p:stCondLst>
+                                    <p:cond delay="0"/>
+                                  </p:stCondLst>
+                                  <p:childTnLst>
+                                    <p:set>
+                                      <p:cBhvr>
+                                        <p:cTn id="6" dur="1" fill="hold">
+                                          <p:stCondLst>
+                                            <p:cond delay="0"/>
+                                          </p:stCondLst>
+                                        </p:cTn>
+                                        <p:tgtEl>
+                                          <p:spTgt spid="3">
+                                            <p:txEl>
+                                              <p:pRg st="0" end="0"/>
+                                            </p:txEl>
+                                          </p:spTgt>
+                                        </p:tgtEl>
+                                        <p:attrNameLst>
+                                          <p:attrName>style.visibility</p:attrName>
+                                        </p:attrNameLst>
+                                      </p:cBhvr>
+                                      <p:to>
+                                        <p:strVal val="visible"/>
+                                      </p:to>
+                                    </p:set>
+                                  </p:childTnLst>
+                                </p:cTn>
+                              </p:par>
+                              <p:par>
+                                <p:cTn id="7" presetID="1" presetClass="entr" presetSubtype="0" fill="hold" nodeType="withEffect">
+                                  <p:stCondLst>
+                                    <p:cond delay="0"/>
+                                  </p:stCondLst>
+                                  <p:childTnLst>
+                                    <p:set>
+                                      <p:cBhvr>
+                                        <p:cTn id="8" dur="1" fill="hold">
+                                          <p:stCondLst>
+                                            <p:cond delay="0"/>
+                                          </p:stCondLst>
+                                        </p:cTn>
+                                        <p:tgtEl>
+                                          <p:spTgt spid="3">
+                                            <p:txEl>
+                                              <p:pRg st="1" end="1"/>
+                                            </p:txEl>
+                                          </p:spTgt>
+                                        </p:tgtEl>
+                                        <p:attrNameLst>
+                                          <p:attrName>style.visibility</p:attrName>
+                                        </p:attrNameLst>
+                                      </p:cBhvr>
+                                      <p:to>
+                                        <p:strVal val="visible"/>
+                                      </p:to>
+                                    </p:set>
+                                  </p:childTnLst>
+                                </p:cTn>
+                              </p:par>
+                            </p:childTnLst>
+                          </p:cTn>
+                        </p:par>
+                      </p:childTnLst>
+                    </p:cTn>
+                  </p:par>
+                  <p:par>
+                    <p:cTn id="9" fill="hold">
+                      <p:stCondLst>
+                        <p:cond delay="indefinite"/>
+                      </p:stCondLst>
+                      <p:childTnLst>
+                        <p:par>
+                          <p:cTn id="10" fill="hold">
+                            <p:stCondLst>
+                              <p:cond delay="0"/>
+                            </p:stCondLst>
+                            <p:childTnLst>
+                              <p:par>
+                                <p:cTn id="11" presetID="1" presetClass="entr" presetSubtype="0" fill="hold" nodeType="clickEffect">
+                                  <p:stCondLst>
+                                    <p:cond delay="0"/>
+                                  </p:stCondLst>
+                                  <p:childTnLst>
+                                    <p:set>
+                                      <p:cBhvr>
+                                        <p:cTn id="12" dur="1" fill="hold">
+                                          <p:stCondLst>
+                                            <p:cond delay="0"/>
+                                          </p:stCondLst>
+                                        </p:cTn>
+                                        <p:tgtEl>
+                                          <p:spTgt spid="3">
+                                            <p:txEl>
+                                              <p:pRg st="2" end="2"/>
+                                            </p:txEl>
+                                          </p:spTgt>
+                                        </p:tgtEl>
+                                        <p:attrNameLst>
+                                          <p:attrName>style.visibility</p:attrName>
+                                        </p:attrNameLst>
+                                      </p:cBhvr>
+                                      <p:to>
+                                        <p:strVal val="visible"/>
+                                      </p:to>
+                                    </p:set>
+                                  </p:childTnLst>
+                                </p:cTn>
+                              </p:par>
+                              <p:par>
+                                <p:cTn id="13" presetID="1" presetClass="entr" presetSubtype="0" fill="hold" nodeType="withEffect">
+                                  <p:stCondLst>
+                                    <p:cond delay="0"/>
+                                  </p:stCondLst>
+                                  <p:childTnLst>
+                                    <p:set>
+                                      <p:cBhvr>
+                                        <p:cTn id="14" dur="1" fill="hold">
+                                          <p:stCondLst>
+                                            <p:cond delay="0"/>
+                                          </p:stCondLst>
+                                        </p:cTn>
+                                        <p:tgtEl>
+                                          <p:spTgt spid="3">
+                                            <p:txEl>
+                                              <p:pRg st="3" end="3"/>
+                                            </p:txEl>
+                                          </p:spTgt>
+                                        </p:tgtEl>
+                                        <p:attrNameLst>
+                                          <p:attrName>style.visibility</p:attrName>
+                                        </p:attrNameLst>
+                                      </p:cBhvr>
+                                      <p:to>
+                                        <p:strVal val="visible"/>
+                                      </p:to>
+                                    </p:set>
+                                  </p:childTnLst>
+                                </p:cTn>
+                              </p:par>
+                            </p:childTnLst>
+                          </p:cTn>
+                        </p:par>
+                      </p:childTnLst>
+                    </p:cTn>
+                  </p:par>
+                  <p:par>
+                    <p:cTn id="15" fill="hold">
+                      <p:stCondLst>
+                        <p:cond delay="indefinite"/>
+                      </p:stCondLst>
+                      <p:childTnLst>
+                        <p:par>
+                          <p:cTn id="16" fill="hold">
+                            <p:stCondLst>
+                              <p:cond delay="0"/>
+                            </p:stCondLst>
+                            <p:childTnLst>
+                              <p:par>
+                                <p:cTn id="17" presetID="1" presetClass="entr" presetSubtype="0" fill="hold" nodeType="clickEffect">
+                                  <p:stCondLst>
+                                    <p:cond delay="0"/>
+                                  </p:stCondLst>
+                                  <p:childTnLst>
+                                    <p:set>
+                                      <p:cBhvr>
+                                        <p:cTn id="18" dur="1" fill="hold">
+                                          <p:stCondLst>
+                                            <p:cond delay="0"/>
+                                          </p:stCondLst>
+                                        </p:cTn>
+                                        <p:tgtEl>
+                                          <p:spTgt spid="3">
+                                            <p:txEl>
+                                              <p:pRg st="4" end="4"/>
+                                            </p:txEl>
+                                          </p:spTgt>
+                                        </p:tgtEl>
+                                        <p:attrNameLst>
+                                          <p:attrName>style.visibility</p:attrName>
+                                        </p:attrNameLst>
+                                      </p:cBhvr>
+                                      <p:to>
+                                        <p:strVal val="visible"/>
+                                      </p:to>
+                                    </p:set>
+                                  </p:childTnLst>
+                                </p:cTn>
+                              </p:par>
+                              <p:par>
+                                <p:cTn id="19" presetID="1" presetClass="entr" presetSubtype="0" fill="hold" nodeType="withEffect">
+                                  <p:stCondLst>
+                                    <p:cond delay="0"/>
+                                  </p:stCondLst>
+                                  <p:childTnLst>
+                                    <p:set>
+                                      <p:cBhvr>
+                                        <p:cTn id="20" dur="1" fill="hold">
+                                          <p:stCondLst>
+                                            <p:cond delay="0"/>
+                                          </p:stCondLst>
+                                        </p:cTn>
+                                        <p:tgtEl>
+                                          <p:spTgt spid="3">
+                                            <p:txEl>
+                                              <p:pRg st="5" end="5"/>
+                                            </p:txEl>
+                                          </p:spTgt>
+                                        </p:tgtEl>
+                                        <p:attrNameLst>
+                                          <p:attrName>style.visibility</p:attrName>
+                                        </p:attrNameLst>
+                                      </p:cBhvr>
+                                      <p:to>
+                                        <p:strVal val="visible"/>
+                                      </p:to>
+                                    </p:set>
+                                  </p:childTnLst>
+                                </p:cTn>
+                              </p:par>
+                            </p:childTnLst>
+                          </p:cTn>
+                        </p:par>
+                      </p:childTnLst>
+                    </p:cTn>
+                  </p:par>
+                </p:childTnLst>
+              </p:cTn>
+              <p:prevCondLst>
+                <p:cond evt="onPrev" delay="0">
+                  <p:tgtEl>
+                    <p:sldTgt/>
+                  </p:tgtEl>
+                </p:cond>
+              </p:prevCondLst>
+              <p:nextCondLst>
+                <p:cond evt="onNext" delay="0">
+                  <p:tgtEl>
+                    <p:sldTgt/>
+                  </p:tgtEl>
+                </p:cond>
+              </p:nextCondLst>
+            </p:seq>
+          </p:childTnLst>
+        </p:cTn>
+      </p:par>
+    </p:tnLst>
+  </p:timing>
+</p:sld>
+</file>
+
+<file path=ppt/slides/slide20.xml><?xml version="1.0" encoding="utf-8"?>
 <p:sld xmlns:a="http://schemas.openxmlformats.org/drawingml/2006/main" xmlns:r="http://schemas.openxmlformats.org/officeDocument/2006/relationships" xmlns:p="http://schemas.openxmlformats.org/presentationml/2006/main">
   <p:cSld>
     <p:spTree>
@@ -7273,10 +8601,9 @@
           <a:lstStyle/>
           <a:p>
             <a:r>
-              <a:rPr lang="en-US" dirty="0" err="1"/>
-              <a:t>Recomendations</a:t>
-            </a:r>
-            <a:endParaRPr lang="en-US" dirty="0"/>
+              <a:rPr lang="en-US" dirty="0"/>
+              <a:t>Recommendations</a:t>
+            </a:r>
           </a:p>
         </p:txBody>
       </p:sp>
@@ -7298,10 +8625,30 @@
         </p:nvSpPr>
         <p:spPr/>
         <p:txBody>
-          <a:bodyPr/>
+          <a:bodyPr>
+            <a:normAutofit/>
+          </a:bodyPr>
           <a:lstStyle/>
           <a:p>
-            <a:endParaRPr lang="en-US"/>
+            <a:pPr lvl="0"/>
+            <a:r>
+              <a:rPr lang="en-US" sz="2400" dirty="0"/>
+              <a:t>There are few features that are dominating the prediction in classifying thyroid disease, physicians need to understand why those measurements are high is it because of genetics, heredity, dietary, life style or other factors.</a:t>
+            </a:r>
+          </a:p>
+          <a:p>
+            <a:pPr lvl="0"/>
+            <a:r>
+              <a:rPr lang="en-US" sz="2400" dirty="0"/>
+              <a:t>The model can aid the physician as a preliminary diagnosis tool in decision making but still physicians need to look at the test results to avoid any false positives or false negatives.</a:t>
+            </a:r>
+          </a:p>
+          <a:p>
+            <a:pPr lvl="0"/>
+            <a:r>
+              <a:rPr lang="en-US" sz="2400" dirty="0"/>
+              <a:t>Model was built on data provided, there could be other unknown factors affecting the patients which was not accounted for or might not considered (blood pressure, diabetics, etc.).</a:t>
+            </a:r>
           </a:p>
         </p:txBody>
       </p:sp>
@@ -7315,10 +8662,187 @@
   <p:clrMapOvr>
     <a:masterClrMapping/>
   </p:clrMapOvr>
+  <p:timing>
+    <p:tnLst>
+      <p:par>
+        <p:cTn id="1" dur="indefinite" restart="never" nodeType="tmRoot">
+          <p:childTnLst>
+            <p:seq concurrent="1" nextAc="seek">
+              <p:cTn id="2" dur="indefinite" nodeType="mainSeq">
+                <p:childTnLst>
+                  <p:par>
+                    <p:cTn id="3" fill="hold">
+                      <p:stCondLst>
+                        <p:cond delay="indefinite"/>
+                      </p:stCondLst>
+                      <p:childTnLst>
+                        <p:par>
+                          <p:cTn id="4" fill="hold">
+                            <p:stCondLst>
+                              <p:cond delay="0"/>
+                            </p:stCondLst>
+                            <p:childTnLst>
+                              <p:par>
+                                <p:cTn id="5" presetID="1" presetClass="entr" presetSubtype="0" fill="hold" nodeType="clickEffect">
+                                  <p:stCondLst>
+                                    <p:cond delay="0"/>
+                                  </p:stCondLst>
+                                  <p:childTnLst>
+                                    <p:set>
+                                      <p:cBhvr>
+                                        <p:cTn id="6" dur="1" fill="hold">
+                                          <p:stCondLst>
+                                            <p:cond delay="0"/>
+                                          </p:stCondLst>
+                                        </p:cTn>
+                                        <p:tgtEl>
+                                          <p:spTgt spid="3">
+                                            <p:txEl>
+                                              <p:pRg st="0" end="0"/>
+                                            </p:txEl>
+                                          </p:spTgt>
+                                        </p:tgtEl>
+                                        <p:attrNameLst>
+                                          <p:attrName>style.visibility</p:attrName>
+                                        </p:attrNameLst>
+                                      </p:cBhvr>
+                                      <p:to>
+                                        <p:strVal val="visible"/>
+                                      </p:to>
+                                    </p:set>
+                                  </p:childTnLst>
+                                </p:cTn>
+                              </p:par>
+                            </p:childTnLst>
+                          </p:cTn>
+                        </p:par>
+                      </p:childTnLst>
+                    </p:cTn>
+                  </p:par>
+                  <p:par>
+                    <p:cTn id="7" fill="hold">
+                      <p:stCondLst>
+                        <p:cond delay="indefinite"/>
+                      </p:stCondLst>
+                      <p:childTnLst>
+                        <p:par>
+                          <p:cTn id="8" fill="hold">
+                            <p:stCondLst>
+                              <p:cond delay="0"/>
+                            </p:stCondLst>
+                            <p:childTnLst>
+                              <p:par>
+                                <p:cTn id="9" presetID="1" presetClass="entr" presetSubtype="0" fill="hold" nodeType="clickEffect">
+                                  <p:stCondLst>
+                                    <p:cond delay="0"/>
+                                  </p:stCondLst>
+                                  <p:childTnLst>
+                                    <p:set>
+                                      <p:cBhvr>
+                                        <p:cTn id="10" dur="1" fill="hold">
+                                          <p:stCondLst>
+                                            <p:cond delay="0"/>
+                                          </p:stCondLst>
+                                        </p:cTn>
+                                        <p:tgtEl>
+                                          <p:spTgt spid="3">
+                                            <p:txEl>
+                                              <p:pRg st="1" end="1"/>
+                                            </p:txEl>
+                                          </p:spTgt>
+                                        </p:tgtEl>
+                                        <p:attrNameLst>
+                                          <p:attrName>style.visibility</p:attrName>
+                                        </p:attrNameLst>
+                                      </p:cBhvr>
+                                      <p:to>
+                                        <p:strVal val="visible"/>
+                                      </p:to>
+                                    </p:set>
+                                  </p:childTnLst>
+                                </p:cTn>
+                              </p:par>
+                            </p:childTnLst>
+                          </p:cTn>
+                        </p:par>
+                      </p:childTnLst>
+                    </p:cTn>
+                  </p:par>
+                  <p:par>
+                    <p:cTn id="11" fill="hold">
+                      <p:stCondLst>
+                        <p:cond delay="indefinite"/>
+                      </p:stCondLst>
+                      <p:childTnLst>
+                        <p:par>
+                          <p:cTn id="12" fill="hold">
+                            <p:stCondLst>
+                              <p:cond delay="0"/>
+                            </p:stCondLst>
+                            <p:childTnLst>
+                              <p:par>
+                                <p:cTn id="13" presetID="1" presetClass="entr" presetSubtype="0" fill="hold" nodeType="clickEffect">
+                                  <p:stCondLst>
+                                    <p:cond delay="0"/>
+                                  </p:stCondLst>
+                                  <p:childTnLst>
+                                    <p:set>
+                                      <p:cBhvr>
+                                        <p:cTn id="14" dur="1" fill="hold">
+                                          <p:stCondLst>
+                                            <p:cond delay="0"/>
+                                          </p:stCondLst>
+                                        </p:cTn>
+                                        <p:tgtEl>
+                                          <p:spTgt spid="3">
+                                            <p:txEl>
+                                              <p:pRg st="2" end="2"/>
+                                            </p:txEl>
+                                          </p:spTgt>
+                                        </p:tgtEl>
+                                        <p:attrNameLst>
+                                          <p:attrName>style.visibility</p:attrName>
+                                        </p:attrNameLst>
+                                      </p:cBhvr>
+                                      <p:to>
+                                        <p:strVal val="visible"/>
+                                      </p:to>
+                                    </p:set>
+                                  </p:childTnLst>
+                                </p:cTn>
+                              </p:par>
+                            </p:childTnLst>
+                          </p:cTn>
+                        </p:par>
+                      </p:childTnLst>
+                    </p:cTn>
+                  </p:par>
+                </p:childTnLst>
+              </p:cTn>
+              <p:prevCondLst>
+                <p:cond evt="onPrev" delay="0">
+                  <p:tgtEl>
+                    <p:sldTgt/>
+                  </p:tgtEl>
+                </p:cond>
+              </p:prevCondLst>
+              <p:nextCondLst>
+                <p:cond evt="onNext" delay="0">
+                  <p:tgtEl>
+                    <p:sldTgt/>
+                  </p:tgtEl>
+                </p:cond>
+              </p:nextCondLst>
+            </p:seq>
+          </p:childTnLst>
+        </p:cTn>
+      </p:par>
+    </p:tnLst>
+  </p:timing>
 </p:sld>
 </file>
 
-<file path=ppt/slides/slide24.xml><?xml version="1.0" encoding="utf-8"?>
+<file path=ppt/slides/slide21.xml><?xml version="1.0" encoding="utf-8"?>
 <p:sld xmlns:a="http://schemas.openxmlformats.org/drawingml/2006/main" xmlns:r="http://schemas.openxmlformats.org/officeDocument/2006/relationships" xmlns:p="http://schemas.openxmlformats.org/presentationml/2006/main">
   <p:cSld>
     <p:spTree>
@@ -7441,7 +8965,7 @@
           <a:p>
             <a:r>
               <a:rPr lang="en-US" dirty="0"/>
-              <a:t>Intention</a:t>
+              <a:t>Data acquisition and wrangling</a:t>
             </a:r>
           </a:p>
         </p:txBody>
@@ -7464,182 +8988,9 @@
         </p:nvSpPr>
         <p:spPr/>
         <p:txBody>
-          <a:bodyPr/>
-          <a:lstStyle/>
-          <a:p>
-            <a:r>
-              <a:rPr lang="en-US" dirty="0"/>
-              <a:t>A physician needs to know the demographics associated with individuals suffering from thyroid disease and find what sector of people can be focused on so that they get admitted and get prior treatment.</a:t>
-            </a:r>
-          </a:p>
-          <a:p>
-            <a:endParaRPr lang="en-US" dirty="0"/>
-          </a:p>
-        </p:txBody>
-      </p:sp>
-    </p:spTree>
-    <p:extLst>
-      <p:ext uri="{BB962C8B-B14F-4D97-AF65-F5344CB8AC3E}">
-        <p14:creationId xmlns:p14="http://schemas.microsoft.com/office/powerpoint/2010/main" val="2071214346"/>
-      </p:ext>
-    </p:extLst>
-  </p:cSld>
-  <p:clrMapOvr>
-    <a:masterClrMapping/>
-  </p:clrMapOvr>
-</p:sld>
-</file>
-
-<file path=ppt/slides/slide4.xml><?xml version="1.0" encoding="utf-8"?>
-<p:sld xmlns:a="http://schemas.openxmlformats.org/drawingml/2006/main" xmlns:r="http://schemas.openxmlformats.org/officeDocument/2006/relationships" xmlns:p="http://schemas.openxmlformats.org/presentationml/2006/main">
-  <p:cSld>
-    <p:spTree>
-      <p:nvGrpSpPr>
-        <p:cNvPr id="1" name=""/>
-        <p:cNvGrpSpPr/>
-        <p:nvPr/>
-      </p:nvGrpSpPr>
-      <p:grpSpPr>
-        <a:xfrm>
-          <a:off x="0" y="0"/>
-          <a:ext cx="0" cy="0"/>
-          <a:chOff x="0" y="0"/>
-          <a:chExt cx="0" cy="0"/>
-        </a:xfrm>
-      </p:grpSpPr>
-      <p:sp>
-        <p:nvSpPr>
-          <p:cNvPr id="2" name="Title 1">
-            <a:extLst>
-              <a:ext uri="{FF2B5EF4-FFF2-40B4-BE49-F238E27FC236}">
-                <a16:creationId xmlns:a16="http://schemas.microsoft.com/office/drawing/2014/main" id="{6CD7F541-3CCA-4A3A-9E24-5EB4A9271B7C}"/>
-              </a:ext>
-            </a:extLst>
-          </p:cNvPr>
-          <p:cNvSpPr>
-            <a:spLocks noGrp="1"/>
-          </p:cNvSpPr>
-          <p:nvPr>
-            <p:ph type="title"/>
-          </p:nvPr>
-        </p:nvSpPr>
-        <p:spPr/>
-        <p:txBody>
-          <a:bodyPr/>
-          <a:lstStyle/>
-          <a:p>
-            <a:r>
-              <a:rPr lang="en-US" dirty="0"/>
-              <a:t>Client</a:t>
-            </a:r>
-          </a:p>
-        </p:txBody>
-      </p:sp>
-      <p:sp>
-        <p:nvSpPr>
-          <p:cNvPr id="3" name="Content Placeholder 2">
-            <a:extLst>
-              <a:ext uri="{FF2B5EF4-FFF2-40B4-BE49-F238E27FC236}">
-                <a16:creationId xmlns:a16="http://schemas.microsoft.com/office/drawing/2014/main" id="{2AF6FF7C-5AE0-4C3E-A22F-2E8792F50FFF}"/>
-              </a:ext>
-            </a:extLst>
-          </p:cNvPr>
-          <p:cNvSpPr>
-            <a:spLocks noGrp="1"/>
-          </p:cNvSpPr>
-          <p:nvPr>
-            <p:ph idx="1"/>
-          </p:nvPr>
-        </p:nvSpPr>
-        <p:spPr/>
-        <p:txBody>
-          <a:bodyPr/>
-          <a:lstStyle/>
-          <a:p>
-            <a:r>
-              <a:rPr lang="en-US" dirty="0"/>
-              <a:t>Physicians who want to understand what kind of demographics, medication, etc. to consider while treating patients with thyroid disease so that the right group of people can get the proper care and treatment.</a:t>
-            </a:r>
-          </a:p>
-        </p:txBody>
-      </p:sp>
-    </p:spTree>
-    <p:extLst>
-      <p:ext uri="{BB962C8B-B14F-4D97-AF65-F5344CB8AC3E}">
-        <p14:creationId xmlns:p14="http://schemas.microsoft.com/office/powerpoint/2010/main" val="3062703625"/>
-      </p:ext>
-    </p:extLst>
-  </p:cSld>
-  <p:clrMapOvr>
-    <a:masterClrMapping/>
-  </p:clrMapOvr>
-</p:sld>
-</file>
-
-<file path=ppt/slides/slide5.xml><?xml version="1.0" encoding="utf-8"?>
-<p:sld xmlns:a="http://schemas.openxmlformats.org/drawingml/2006/main" xmlns:r="http://schemas.openxmlformats.org/officeDocument/2006/relationships" xmlns:p="http://schemas.openxmlformats.org/presentationml/2006/main">
-  <p:cSld>
-    <p:spTree>
-      <p:nvGrpSpPr>
-        <p:cNvPr id="1" name=""/>
-        <p:cNvGrpSpPr/>
-        <p:nvPr/>
-      </p:nvGrpSpPr>
-      <p:grpSpPr>
-        <a:xfrm>
-          <a:off x="0" y="0"/>
-          <a:ext cx="0" cy="0"/>
-          <a:chOff x="0" y="0"/>
-          <a:chExt cx="0" cy="0"/>
-        </a:xfrm>
-      </p:grpSpPr>
-      <p:sp>
-        <p:nvSpPr>
-          <p:cNvPr id="2" name="Title 1">
-            <a:extLst>
-              <a:ext uri="{FF2B5EF4-FFF2-40B4-BE49-F238E27FC236}">
-                <a16:creationId xmlns:a16="http://schemas.microsoft.com/office/drawing/2014/main" id="{6CD7F541-3CCA-4A3A-9E24-5EB4A9271B7C}"/>
-              </a:ext>
-            </a:extLst>
-          </p:cNvPr>
-          <p:cNvSpPr>
-            <a:spLocks noGrp="1"/>
-          </p:cNvSpPr>
-          <p:nvPr>
-            <p:ph type="title"/>
-          </p:nvPr>
-        </p:nvSpPr>
-        <p:spPr/>
-        <p:txBody>
-          <a:bodyPr/>
-          <a:lstStyle/>
-          <a:p>
-            <a:r>
-              <a:rPr lang="en-US" dirty="0"/>
-              <a:t>Data acquisition and wrangling</a:t>
-            </a:r>
-          </a:p>
-        </p:txBody>
-      </p:sp>
-      <p:sp>
-        <p:nvSpPr>
-          <p:cNvPr id="3" name="Content Placeholder 2">
-            <a:extLst>
-              <a:ext uri="{FF2B5EF4-FFF2-40B4-BE49-F238E27FC236}">
-                <a16:creationId xmlns:a16="http://schemas.microsoft.com/office/drawing/2014/main" id="{2AF6FF7C-5AE0-4C3E-A22F-2E8792F50FFF}"/>
-              </a:ext>
-            </a:extLst>
-          </p:cNvPr>
-          <p:cNvSpPr>
-            <a:spLocks noGrp="1"/>
-          </p:cNvSpPr>
-          <p:nvPr>
-            <p:ph idx="1"/>
-          </p:nvPr>
-        </p:nvSpPr>
-        <p:spPr/>
-        <p:txBody>
-          <a:bodyPr/>
+          <a:bodyPr>
+            <a:normAutofit/>
+          </a:bodyPr>
           <a:lstStyle/>
           <a:p>
             <a:pPr>
@@ -7647,7 +8998,7 @@
               <a:buChar char="§"/>
             </a:pPr>
             <a:r>
-              <a:rPr lang="en-US" dirty="0"/>
+              <a:rPr lang="en-US" sz="2400" dirty="0"/>
               <a:t>Data acquired from University of California Irvine Machine Learning Repository</a:t>
             </a:r>
           </a:p>
@@ -7657,17 +9008,17 @@
               <a:buChar char="§"/>
             </a:pPr>
             <a:r>
-              <a:rPr lang="en-US" dirty="0"/>
+              <a:rPr lang="en-US" sz="2400" dirty="0"/>
               <a:t>Thyroid disease data set (</a:t>
             </a:r>
             <a:r>
-              <a:rPr lang="en-US" dirty="0">
+              <a:rPr lang="en-US" sz="2400" dirty="0">
                 <a:hlinkClick r:id="rId2"/>
               </a:rPr>
               <a:t>https://archive.ics.uci.edu/ml/datasets/Thyroid+Disease</a:t>
             </a:r>
             <a:r>
-              <a:rPr lang="en-US" dirty="0"/>
+              <a:rPr lang="en-US" sz="2400" dirty="0"/>
               <a:t>)</a:t>
             </a:r>
           </a:p>
@@ -7677,7 +9028,7 @@
               <a:buChar char="§"/>
             </a:pPr>
             <a:r>
-              <a:rPr lang="en-US" dirty="0"/>
+              <a:rPr lang="en-US" sz="2400" dirty="0"/>
               <a:t>Data set from the repository is clean.</a:t>
             </a:r>
           </a:p>
@@ -7687,7 +9038,7 @@
               <a:buChar char="§"/>
             </a:pPr>
             <a:r>
-              <a:rPr lang="en-US" dirty="0"/>
+              <a:rPr lang="en-US" sz="2400" dirty="0"/>
               <a:t>It had training and test data sets.</a:t>
             </a:r>
           </a:p>
@@ -7932,7 +9283,7 @@
 </p:sld>
 </file>
 
-<file path=ppt/slides/slide6.xml><?xml version="1.0" encoding="utf-8"?>
+<file path=ppt/slides/slide4.xml><?xml version="1.0" encoding="utf-8"?>
 <p:sld xmlns:a="http://schemas.openxmlformats.org/drawingml/2006/main" xmlns:r="http://schemas.openxmlformats.org/officeDocument/2006/relationships" xmlns:p="http://schemas.openxmlformats.org/presentationml/2006/main">
   <p:cSld>
     <p:spTree>
@@ -7972,7 +9323,7 @@
           <a:p>
             <a:r>
               <a:rPr lang="en-US" dirty="0"/>
-              <a:t>Exploratory Data analysis</a:t>
+              <a:t>Exploratory Data Analysis</a:t>
             </a:r>
           </a:p>
         </p:txBody>
@@ -8042,7 +9393,7 @@
               <a:buChar char="§"/>
             </a:pPr>
             <a:r>
-              <a:rPr lang="en-US" sz="2000" dirty="0"/>
+              <a:rPr lang="en-US" sz="2400" dirty="0"/>
               <a:t>Percentage of people suffering from thyroid disease is very small.</a:t>
             </a:r>
           </a:p>
@@ -8052,8 +9403,8 @@
               <a:buChar char="§"/>
             </a:pPr>
             <a:r>
-              <a:rPr lang="en-US" sz="2000" dirty="0"/>
-              <a:t>Especially hyperthyroidism is particularly low (2.5%)</a:t>
+              <a:rPr lang="en-US" sz="2400" dirty="0"/>
+              <a:t>Especially hyperthyroidism, which is particularly low (2.5%)</a:t>
             </a:r>
           </a:p>
           <a:p>
@@ -8062,7 +9413,7 @@
               <a:buChar char="§"/>
             </a:pPr>
             <a:r>
-              <a:rPr lang="en-US" sz="2000" dirty="0"/>
+              <a:rPr lang="en-US" sz="2400" dirty="0"/>
               <a:t>Most of the population is normal.</a:t>
             </a:r>
           </a:p>
@@ -8303,7 +9654,7 @@
 </p:sld>
 </file>
 
-<file path=ppt/slides/slide7.xml><?xml version="1.0" encoding="utf-8"?>
+<file path=ppt/slides/slide5.xml><?xml version="1.0" encoding="utf-8"?>
 <p:sld xmlns:a="http://schemas.openxmlformats.org/drawingml/2006/main" xmlns:r="http://schemas.openxmlformats.org/officeDocument/2006/relationships" xmlns:p="http://schemas.openxmlformats.org/presentationml/2006/main">
   <p:cSld>
     <p:spTree>
@@ -8369,7 +9720,7 @@
         <p:spPr>
           <a:xfrm>
             <a:off x="8034087" y="1333762"/>
-            <a:ext cx="3987108" cy="1384419"/>
+            <a:ext cx="3915257" cy="1977609"/>
           </a:xfrm>
           <a:prstGeom prst="rect">
             <a:avLst/>
@@ -8629,7 +9980,7 @@
               <a:buChar char="§"/>
             </a:pPr>
             <a:r>
-              <a:rPr lang="en-US" dirty="0"/>
+              <a:rPr lang="en-US" sz="2400" dirty="0"/>
               <a:t>Distribution of classes per age group and gender.</a:t>
             </a:r>
           </a:p>
@@ -8639,7 +9990,7 @@
               <a:buChar char="§"/>
             </a:pPr>
             <a:r>
-              <a:rPr lang="en-US" dirty="0">
+              <a:rPr lang="en-US" sz="2400" dirty="0">
                 <a:solidFill>
                   <a:schemeClr val="tx1"/>
                 </a:solidFill>
@@ -8647,7 +9998,7 @@
               <a:t>Thyroid</a:t>
             </a:r>
             <a:r>
-              <a:rPr lang="en-US" dirty="0"/>
+              <a:rPr lang="en-US" sz="2400" dirty="0"/>
               <a:t> disease is spread across all age groups.</a:t>
             </a:r>
           </a:p>
@@ -9253,7 +10604,7 @@
 </p:sld>
 </file>
 
-<file path=ppt/slides/slide8.xml><?xml version="1.0" encoding="utf-8"?>
+<file path=ppt/slides/slide6.xml><?xml version="1.0" encoding="utf-8"?>
 <p:sld xmlns:a="http://schemas.openxmlformats.org/drawingml/2006/main" xmlns:r="http://schemas.openxmlformats.org/officeDocument/2006/relationships" xmlns:p="http://schemas.openxmlformats.org/presentationml/2006/main">
   <p:cSld>
     <p:spTree>
@@ -9503,7 +10854,7 @@
 </p:sld>
 </file>
 
-<file path=ppt/slides/slide9.xml><?xml version="1.0" encoding="utf-8"?>
+<file path=ppt/slides/slide7.xml><?xml version="1.0" encoding="utf-8"?>
 <p:sld xmlns:a="http://schemas.openxmlformats.org/drawingml/2006/main" xmlns:r="http://schemas.openxmlformats.org/officeDocument/2006/relationships" xmlns:p="http://schemas.openxmlformats.org/presentationml/2006/main">
   <p:cSld>
     <p:spTree>
@@ -9625,6 +10976,820 @@
                                         </p:cTn>
                                         <p:tgtEl>
                                           <p:spTgt spid="4"/>
+                                        </p:tgtEl>
+                                        <p:attrNameLst>
+                                          <p:attrName>style.visibility</p:attrName>
+                                        </p:attrNameLst>
+                                      </p:cBhvr>
+                                      <p:to>
+                                        <p:strVal val="visible"/>
+                                      </p:to>
+                                    </p:set>
+                                  </p:childTnLst>
+                                </p:cTn>
+                              </p:par>
+                            </p:childTnLst>
+                          </p:cTn>
+                        </p:par>
+                      </p:childTnLst>
+                    </p:cTn>
+                  </p:par>
+                </p:childTnLst>
+              </p:cTn>
+              <p:prevCondLst>
+                <p:cond evt="onPrev" delay="0">
+                  <p:tgtEl>
+                    <p:sldTgt/>
+                  </p:tgtEl>
+                </p:cond>
+              </p:prevCondLst>
+              <p:nextCondLst>
+                <p:cond evt="onNext" delay="0">
+                  <p:tgtEl>
+                    <p:sldTgt/>
+                  </p:tgtEl>
+                </p:cond>
+              </p:nextCondLst>
+            </p:seq>
+          </p:childTnLst>
+        </p:cTn>
+      </p:par>
+    </p:tnLst>
+  </p:timing>
+</p:sld>
+</file>
+
+<file path=ppt/slides/slide8.xml><?xml version="1.0" encoding="utf-8"?>
+<p:sld xmlns:a="http://schemas.openxmlformats.org/drawingml/2006/main" xmlns:r="http://schemas.openxmlformats.org/officeDocument/2006/relationships" xmlns:p="http://schemas.openxmlformats.org/presentationml/2006/main">
+  <p:cSld>
+    <p:spTree>
+      <p:nvGrpSpPr>
+        <p:cNvPr id="1" name=""/>
+        <p:cNvGrpSpPr/>
+        <p:nvPr/>
+      </p:nvGrpSpPr>
+      <p:grpSpPr>
+        <a:xfrm>
+          <a:off x="0" y="0"/>
+          <a:ext cx="0" cy="0"/>
+          <a:chOff x="0" y="0"/>
+          <a:chExt cx="0" cy="0"/>
+        </a:xfrm>
+      </p:grpSpPr>
+      <p:sp>
+        <p:nvSpPr>
+          <p:cNvPr id="2" name="Title 1">
+            <a:extLst>
+              <a:ext uri="{FF2B5EF4-FFF2-40B4-BE49-F238E27FC236}">
+                <a16:creationId xmlns:a16="http://schemas.microsoft.com/office/drawing/2014/main" id="{6CD7F541-3CCA-4A3A-9E24-5EB4A9271B7C}"/>
+              </a:ext>
+            </a:extLst>
+          </p:cNvPr>
+          <p:cNvSpPr>
+            <a:spLocks noGrp="1"/>
+          </p:cNvSpPr>
+          <p:nvPr>
+            <p:ph type="title"/>
+          </p:nvPr>
+        </p:nvSpPr>
+        <p:spPr/>
+        <p:txBody>
+          <a:bodyPr/>
+          <a:lstStyle/>
+          <a:p>
+            <a:r>
+              <a:rPr lang="en-US" dirty="0"/>
+              <a:t>Modeling &amp; Machine Learning</a:t>
+            </a:r>
+          </a:p>
+        </p:txBody>
+      </p:sp>
+      <p:sp>
+        <p:nvSpPr>
+          <p:cNvPr id="3" name="Content Placeholder 2">
+            <a:extLst>
+              <a:ext uri="{FF2B5EF4-FFF2-40B4-BE49-F238E27FC236}">
+                <a16:creationId xmlns:a16="http://schemas.microsoft.com/office/drawing/2014/main" id="{2AF6FF7C-5AE0-4C3E-A22F-2E8792F50FFF}"/>
+              </a:ext>
+            </a:extLst>
+          </p:cNvPr>
+          <p:cNvSpPr>
+            <a:spLocks noGrp="1"/>
+          </p:cNvSpPr>
+          <p:nvPr>
+            <p:ph idx="1"/>
+          </p:nvPr>
+        </p:nvSpPr>
+        <p:spPr/>
+        <p:txBody>
+          <a:bodyPr/>
+          <a:lstStyle/>
+          <a:p>
+            <a:pPr marL="0" indent="0">
+              <a:buNone/>
+            </a:pPr>
+            <a:r>
+              <a:rPr lang="en-US" dirty="0"/>
+              <a:t>Overview</a:t>
+            </a:r>
+          </a:p>
+          <a:p>
+            <a:r>
+              <a:rPr lang="en-US" sz="2400" dirty="0"/>
+              <a:t>Supervised learning</a:t>
+            </a:r>
+          </a:p>
+          <a:p>
+            <a:r>
+              <a:rPr lang="en-US" sz="2400" dirty="0"/>
+              <a:t>Multi-class Classification problem (3 classes)</a:t>
+            </a:r>
+          </a:p>
+          <a:p>
+            <a:r>
+              <a:rPr lang="en-US" sz="2400" dirty="0"/>
+              <a:t>Highly imbalanced data (~7.5% has thyroid disease)</a:t>
+            </a:r>
+          </a:p>
+          <a:p>
+            <a:r>
+              <a:rPr lang="en-US" sz="2400" dirty="0"/>
+              <a:t>Tools used: Python 3, </a:t>
+            </a:r>
+            <a:r>
+              <a:rPr lang="en-US" sz="2400" dirty="0" err="1"/>
+              <a:t>Jupyter</a:t>
+            </a:r>
+            <a:r>
+              <a:rPr lang="en-US" sz="2400" dirty="0"/>
+              <a:t> Notebook</a:t>
+            </a:r>
+          </a:p>
+          <a:p>
+            <a:r>
+              <a:rPr lang="en-US" sz="2400" dirty="0"/>
+              <a:t>Libraries used: </a:t>
+            </a:r>
+            <a:r>
+              <a:rPr lang="en-US" sz="2400" dirty="0" err="1"/>
+              <a:t>Scikit</a:t>
+            </a:r>
+            <a:r>
+              <a:rPr lang="en-US" sz="2400" dirty="0"/>
+              <a:t>-learn, </a:t>
+            </a:r>
+            <a:r>
+              <a:rPr lang="en-US" sz="2400" dirty="0" err="1"/>
+              <a:t>imblearn</a:t>
+            </a:r>
+            <a:endParaRPr lang="en-US" sz="2400" dirty="0"/>
+          </a:p>
+          <a:p>
+            <a:endParaRPr lang="en-US" dirty="0"/>
+          </a:p>
+        </p:txBody>
+      </p:sp>
+    </p:spTree>
+    <p:extLst>
+      <p:ext uri="{BB962C8B-B14F-4D97-AF65-F5344CB8AC3E}">
+        <p14:creationId xmlns:p14="http://schemas.microsoft.com/office/powerpoint/2010/main" val="4207628761"/>
+      </p:ext>
+    </p:extLst>
+  </p:cSld>
+  <p:clrMapOvr>
+    <a:masterClrMapping/>
+  </p:clrMapOvr>
+  <p:timing>
+    <p:tnLst>
+      <p:par>
+        <p:cTn id="1" dur="indefinite" restart="never" nodeType="tmRoot">
+          <p:childTnLst>
+            <p:seq concurrent="1" nextAc="seek">
+              <p:cTn id="2" dur="indefinite" nodeType="mainSeq">
+                <p:childTnLst>
+                  <p:par>
+                    <p:cTn id="3" fill="hold">
+                      <p:stCondLst>
+                        <p:cond delay="indefinite"/>
+                      </p:stCondLst>
+                      <p:childTnLst>
+                        <p:par>
+                          <p:cTn id="4" fill="hold">
+                            <p:stCondLst>
+                              <p:cond delay="0"/>
+                            </p:stCondLst>
+                            <p:childTnLst>
+                              <p:par>
+                                <p:cTn id="5" presetID="1" presetClass="entr" presetSubtype="0" fill="hold" grpId="0" nodeType="clickEffect">
+                                  <p:stCondLst>
+                                    <p:cond delay="0"/>
+                                  </p:stCondLst>
+                                  <p:childTnLst>
+                                    <p:set>
+                                      <p:cBhvr>
+                                        <p:cTn id="6" dur="1" fill="hold">
+                                          <p:stCondLst>
+                                            <p:cond delay="0"/>
+                                          </p:stCondLst>
+                                        </p:cTn>
+                                        <p:tgtEl>
+                                          <p:spTgt spid="3">
+                                            <p:txEl>
+                                              <p:pRg st="0" end="0"/>
+                                            </p:txEl>
+                                          </p:spTgt>
+                                        </p:tgtEl>
+                                        <p:attrNameLst>
+                                          <p:attrName>style.visibility</p:attrName>
+                                        </p:attrNameLst>
+                                      </p:cBhvr>
+                                      <p:to>
+                                        <p:strVal val="visible"/>
+                                      </p:to>
+                                    </p:set>
+                                  </p:childTnLst>
+                                </p:cTn>
+                              </p:par>
+                            </p:childTnLst>
+                          </p:cTn>
+                        </p:par>
+                      </p:childTnLst>
+                    </p:cTn>
+                  </p:par>
+                  <p:par>
+                    <p:cTn id="7" fill="hold">
+                      <p:stCondLst>
+                        <p:cond delay="indefinite"/>
+                      </p:stCondLst>
+                      <p:childTnLst>
+                        <p:par>
+                          <p:cTn id="8" fill="hold">
+                            <p:stCondLst>
+                              <p:cond delay="0"/>
+                            </p:stCondLst>
+                            <p:childTnLst>
+                              <p:par>
+                                <p:cTn id="9" presetID="1" presetClass="entr" presetSubtype="0" fill="hold" grpId="0" nodeType="clickEffect">
+                                  <p:stCondLst>
+                                    <p:cond delay="0"/>
+                                  </p:stCondLst>
+                                  <p:childTnLst>
+                                    <p:set>
+                                      <p:cBhvr>
+                                        <p:cTn id="10" dur="1" fill="hold">
+                                          <p:stCondLst>
+                                            <p:cond delay="0"/>
+                                          </p:stCondLst>
+                                        </p:cTn>
+                                        <p:tgtEl>
+                                          <p:spTgt spid="3">
+                                            <p:txEl>
+                                              <p:pRg st="1" end="1"/>
+                                            </p:txEl>
+                                          </p:spTgt>
+                                        </p:tgtEl>
+                                        <p:attrNameLst>
+                                          <p:attrName>style.visibility</p:attrName>
+                                        </p:attrNameLst>
+                                      </p:cBhvr>
+                                      <p:to>
+                                        <p:strVal val="visible"/>
+                                      </p:to>
+                                    </p:set>
+                                  </p:childTnLst>
+                                </p:cTn>
+                              </p:par>
+                            </p:childTnLst>
+                          </p:cTn>
+                        </p:par>
+                      </p:childTnLst>
+                    </p:cTn>
+                  </p:par>
+                  <p:par>
+                    <p:cTn id="11" fill="hold">
+                      <p:stCondLst>
+                        <p:cond delay="indefinite"/>
+                      </p:stCondLst>
+                      <p:childTnLst>
+                        <p:par>
+                          <p:cTn id="12" fill="hold">
+                            <p:stCondLst>
+                              <p:cond delay="0"/>
+                            </p:stCondLst>
+                            <p:childTnLst>
+                              <p:par>
+                                <p:cTn id="13" presetID="1" presetClass="entr" presetSubtype="0" fill="hold" grpId="0" nodeType="clickEffect">
+                                  <p:stCondLst>
+                                    <p:cond delay="0"/>
+                                  </p:stCondLst>
+                                  <p:childTnLst>
+                                    <p:set>
+                                      <p:cBhvr>
+                                        <p:cTn id="14" dur="1" fill="hold">
+                                          <p:stCondLst>
+                                            <p:cond delay="0"/>
+                                          </p:stCondLst>
+                                        </p:cTn>
+                                        <p:tgtEl>
+                                          <p:spTgt spid="3">
+                                            <p:txEl>
+                                              <p:pRg st="2" end="2"/>
+                                            </p:txEl>
+                                          </p:spTgt>
+                                        </p:tgtEl>
+                                        <p:attrNameLst>
+                                          <p:attrName>style.visibility</p:attrName>
+                                        </p:attrNameLst>
+                                      </p:cBhvr>
+                                      <p:to>
+                                        <p:strVal val="visible"/>
+                                      </p:to>
+                                    </p:set>
+                                  </p:childTnLst>
+                                </p:cTn>
+                              </p:par>
+                            </p:childTnLst>
+                          </p:cTn>
+                        </p:par>
+                      </p:childTnLst>
+                    </p:cTn>
+                  </p:par>
+                  <p:par>
+                    <p:cTn id="15" fill="hold">
+                      <p:stCondLst>
+                        <p:cond delay="indefinite"/>
+                      </p:stCondLst>
+                      <p:childTnLst>
+                        <p:par>
+                          <p:cTn id="16" fill="hold">
+                            <p:stCondLst>
+                              <p:cond delay="0"/>
+                            </p:stCondLst>
+                            <p:childTnLst>
+                              <p:par>
+                                <p:cTn id="17" presetID="1" presetClass="entr" presetSubtype="0" fill="hold" grpId="0" nodeType="clickEffect">
+                                  <p:stCondLst>
+                                    <p:cond delay="0"/>
+                                  </p:stCondLst>
+                                  <p:childTnLst>
+                                    <p:set>
+                                      <p:cBhvr>
+                                        <p:cTn id="18" dur="1" fill="hold">
+                                          <p:stCondLst>
+                                            <p:cond delay="0"/>
+                                          </p:stCondLst>
+                                        </p:cTn>
+                                        <p:tgtEl>
+                                          <p:spTgt spid="3">
+                                            <p:txEl>
+                                              <p:pRg st="3" end="3"/>
+                                            </p:txEl>
+                                          </p:spTgt>
+                                        </p:tgtEl>
+                                        <p:attrNameLst>
+                                          <p:attrName>style.visibility</p:attrName>
+                                        </p:attrNameLst>
+                                      </p:cBhvr>
+                                      <p:to>
+                                        <p:strVal val="visible"/>
+                                      </p:to>
+                                    </p:set>
+                                  </p:childTnLst>
+                                </p:cTn>
+                              </p:par>
+                            </p:childTnLst>
+                          </p:cTn>
+                        </p:par>
+                      </p:childTnLst>
+                    </p:cTn>
+                  </p:par>
+                  <p:par>
+                    <p:cTn id="19" fill="hold">
+                      <p:stCondLst>
+                        <p:cond delay="indefinite"/>
+                      </p:stCondLst>
+                      <p:childTnLst>
+                        <p:par>
+                          <p:cTn id="20" fill="hold">
+                            <p:stCondLst>
+                              <p:cond delay="0"/>
+                            </p:stCondLst>
+                            <p:childTnLst>
+                              <p:par>
+                                <p:cTn id="21" presetID="1" presetClass="entr" presetSubtype="0" fill="hold" grpId="0" nodeType="clickEffect">
+                                  <p:stCondLst>
+                                    <p:cond delay="0"/>
+                                  </p:stCondLst>
+                                  <p:childTnLst>
+                                    <p:set>
+                                      <p:cBhvr>
+                                        <p:cTn id="22" dur="1" fill="hold">
+                                          <p:stCondLst>
+                                            <p:cond delay="0"/>
+                                          </p:stCondLst>
+                                        </p:cTn>
+                                        <p:tgtEl>
+                                          <p:spTgt spid="3">
+                                            <p:txEl>
+                                              <p:pRg st="4" end="4"/>
+                                            </p:txEl>
+                                          </p:spTgt>
+                                        </p:tgtEl>
+                                        <p:attrNameLst>
+                                          <p:attrName>style.visibility</p:attrName>
+                                        </p:attrNameLst>
+                                      </p:cBhvr>
+                                      <p:to>
+                                        <p:strVal val="visible"/>
+                                      </p:to>
+                                    </p:set>
+                                  </p:childTnLst>
+                                </p:cTn>
+                              </p:par>
+                            </p:childTnLst>
+                          </p:cTn>
+                        </p:par>
+                      </p:childTnLst>
+                    </p:cTn>
+                  </p:par>
+                  <p:par>
+                    <p:cTn id="23" fill="hold">
+                      <p:stCondLst>
+                        <p:cond delay="indefinite"/>
+                      </p:stCondLst>
+                      <p:childTnLst>
+                        <p:par>
+                          <p:cTn id="24" fill="hold">
+                            <p:stCondLst>
+                              <p:cond delay="0"/>
+                            </p:stCondLst>
+                            <p:childTnLst>
+                              <p:par>
+                                <p:cTn id="25" presetID="1" presetClass="entr" presetSubtype="0" fill="hold" grpId="0" nodeType="clickEffect">
+                                  <p:stCondLst>
+                                    <p:cond delay="0"/>
+                                  </p:stCondLst>
+                                  <p:childTnLst>
+                                    <p:set>
+                                      <p:cBhvr>
+                                        <p:cTn id="26" dur="1" fill="hold">
+                                          <p:stCondLst>
+                                            <p:cond delay="0"/>
+                                          </p:stCondLst>
+                                        </p:cTn>
+                                        <p:tgtEl>
+                                          <p:spTgt spid="3">
+                                            <p:txEl>
+                                              <p:pRg st="5" end="5"/>
+                                            </p:txEl>
+                                          </p:spTgt>
+                                        </p:tgtEl>
+                                        <p:attrNameLst>
+                                          <p:attrName>style.visibility</p:attrName>
+                                        </p:attrNameLst>
+                                      </p:cBhvr>
+                                      <p:to>
+                                        <p:strVal val="visible"/>
+                                      </p:to>
+                                    </p:set>
+                                  </p:childTnLst>
+                                </p:cTn>
+                              </p:par>
+                            </p:childTnLst>
+                          </p:cTn>
+                        </p:par>
+                      </p:childTnLst>
+                    </p:cTn>
+                  </p:par>
+                </p:childTnLst>
+              </p:cTn>
+              <p:prevCondLst>
+                <p:cond evt="onPrev" delay="0">
+                  <p:tgtEl>
+                    <p:sldTgt/>
+                  </p:tgtEl>
+                </p:cond>
+              </p:prevCondLst>
+              <p:nextCondLst>
+                <p:cond evt="onNext" delay="0">
+                  <p:tgtEl>
+                    <p:sldTgt/>
+                  </p:tgtEl>
+                </p:cond>
+              </p:nextCondLst>
+            </p:seq>
+          </p:childTnLst>
+        </p:cTn>
+      </p:par>
+    </p:tnLst>
+    <p:bldLst>
+      <p:bldP spid="3" grpId="0" build="p"/>
+    </p:bldLst>
+  </p:timing>
+</p:sld>
+</file>
+
+<file path=ppt/slides/slide9.xml><?xml version="1.0" encoding="utf-8"?>
+<p:sld xmlns:a="http://schemas.openxmlformats.org/drawingml/2006/main" xmlns:r="http://schemas.openxmlformats.org/officeDocument/2006/relationships" xmlns:p="http://schemas.openxmlformats.org/presentationml/2006/main">
+  <p:cSld>
+    <p:spTree>
+      <p:nvGrpSpPr>
+        <p:cNvPr id="1" name=""/>
+        <p:cNvGrpSpPr/>
+        <p:nvPr/>
+      </p:nvGrpSpPr>
+      <p:grpSpPr>
+        <a:xfrm>
+          <a:off x="0" y="0"/>
+          <a:ext cx="0" cy="0"/>
+          <a:chOff x="0" y="0"/>
+          <a:chExt cx="0" cy="0"/>
+        </a:xfrm>
+      </p:grpSpPr>
+      <p:sp>
+        <p:nvSpPr>
+          <p:cNvPr id="2" name="Title 1">
+            <a:extLst>
+              <a:ext uri="{FF2B5EF4-FFF2-40B4-BE49-F238E27FC236}">
+                <a16:creationId xmlns:a16="http://schemas.microsoft.com/office/drawing/2014/main" id="{4757F1B0-73D8-449D-BD10-B740416F2C0B}"/>
+              </a:ext>
+            </a:extLst>
+          </p:cNvPr>
+          <p:cNvSpPr>
+            <a:spLocks noGrp="1"/>
+          </p:cNvSpPr>
+          <p:nvPr>
+            <p:ph type="title"/>
+          </p:nvPr>
+        </p:nvSpPr>
+        <p:spPr/>
+        <p:txBody>
+          <a:bodyPr/>
+          <a:lstStyle/>
+          <a:p>
+            <a:r>
+              <a:rPr lang="en-US" dirty="0"/>
+              <a:t>Resampling Techniques used</a:t>
+            </a:r>
+          </a:p>
+        </p:txBody>
+      </p:sp>
+      <p:sp>
+        <p:nvSpPr>
+          <p:cNvPr id="3" name="Content Placeholder 2">
+            <a:extLst>
+              <a:ext uri="{FF2B5EF4-FFF2-40B4-BE49-F238E27FC236}">
+                <a16:creationId xmlns:a16="http://schemas.microsoft.com/office/drawing/2014/main" id="{1EA8BBF6-0A85-494A-804E-65D7D5207497}"/>
+              </a:ext>
+            </a:extLst>
+          </p:cNvPr>
+          <p:cNvSpPr>
+            <a:spLocks noGrp="1"/>
+          </p:cNvSpPr>
+          <p:nvPr>
+            <p:ph idx="1"/>
+          </p:nvPr>
+        </p:nvSpPr>
+        <p:spPr/>
+        <p:txBody>
+          <a:bodyPr/>
+          <a:lstStyle/>
+          <a:p>
+            <a:pPr marL="0" indent="0">
+              <a:buNone/>
+            </a:pPr>
+            <a:r>
+              <a:rPr lang="en-US" dirty="0"/>
+              <a:t>Resampling techniques using </a:t>
+            </a:r>
+            <a:r>
+              <a:rPr lang="en-US" dirty="0" err="1"/>
+              <a:t>imblearn</a:t>
+            </a:r>
+            <a:r>
+              <a:rPr lang="en-US" dirty="0"/>
+              <a:t>.</a:t>
+            </a:r>
+          </a:p>
+          <a:p>
+            <a:pPr lvl="1"/>
+            <a:r>
+              <a:rPr lang="en-US" dirty="0"/>
+              <a:t>Synthetic Minority Over-sampling (SMOTE)</a:t>
+            </a:r>
+          </a:p>
+          <a:p>
+            <a:pPr lvl="1"/>
+            <a:r>
+              <a:rPr lang="en-US" dirty="0"/>
+              <a:t>Random Under Sampler</a:t>
+            </a:r>
+          </a:p>
+          <a:p>
+            <a:pPr lvl="1"/>
+            <a:r>
+              <a:rPr lang="en-US" dirty="0"/>
+              <a:t>Combine over- and under-sampling using SMOTE and Edited Nearest Neighbors (SMOTEENN)</a:t>
+            </a:r>
+          </a:p>
+        </p:txBody>
+      </p:sp>
+    </p:spTree>
+    <p:extLst>
+      <p:ext uri="{BB962C8B-B14F-4D97-AF65-F5344CB8AC3E}">
+        <p14:creationId xmlns:p14="http://schemas.microsoft.com/office/powerpoint/2010/main" val="2741750016"/>
+      </p:ext>
+    </p:extLst>
+  </p:cSld>
+  <p:clrMapOvr>
+    <a:masterClrMapping/>
+  </p:clrMapOvr>
+  <p:timing>
+    <p:tnLst>
+      <p:par>
+        <p:cTn id="1" dur="indefinite" restart="never" nodeType="tmRoot">
+          <p:childTnLst>
+            <p:seq concurrent="1" nextAc="seek">
+              <p:cTn id="2" dur="indefinite" nodeType="mainSeq">
+                <p:childTnLst>
+                  <p:par>
+                    <p:cTn id="3" fill="hold">
+                      <p:stCondLst>
+                        <p:cond delay="indefinite"/>
+                      </p:stCondLst>
+                      <p:childTnLst>
+                        <p:par>
+                          <p:cTn id="4" fill="hold">
+                            <p:stCondLst>
+                              <p:cond delay="0"/>
+                            </p:stCondLst>
+                            <p:childTnLst>
+                              <p:par>
+                                <p:cTn id="5" presetID="1" presetClass="entr" presetSubtype="0" fill="hold" nodeType="clickEffect">
+                                  <p:stCondLst>
+                                    <p:cond delay="0"/>
+                                  </p:stCondLst>
+                                  <p:childTnLst>
+                                    <p:set>
+                                      <p:cBhvr>
+                                        <p:cTn id="6" dur="1" fill="hold">
+                                          <p:stCondLst>
+                                            <p:cond delay="0"/>
+                                          </p:stCondLst>
+                                        </p:cTn>
+                                        <p:tgtEl>
+                                          <p:spTgt spid="3">
+                                            <p:txEl>
+                                              <p:pRg st="0" end="0"/>
+                                            </p:txEl>
+                                          </p:spTgt>
+                                        </p:tgtEl>
+                                        <p:attrNameLst>
+                                          <p:attrName>style.visibility</p:attrName>
+                                        </p:attrNameLst>
+                                      </p:cBhvr>
+                                      <p:to>
+                                        <p:strVal val="visible"/>
+                                      </p:to>
+                                    </p:set>
+                                  </p:childTnLst>
+                                </p:cTn>
+                              </p:par>
+                            </p:childTnLst>
+                          </p:cTn>
+                        </p:par>
+                      </p:childTnLst>
+                    </p:cTn>
+                  </p:par>
+                  <p:par>
+                    <p:cTn id="7" fill="hold">
+                      <p:stCondLst>
+                        <p:cond delay="indefinite"/>
+                      </p:stCondLst>
+                      <p:childTnLst>
+                        <p:par>
+                          <p:cTn id="8" fill="hold">
+                            <p:stCondLst>
+                              <p:cond delay="0"/>
+                            </p:stCondLst>
+                            <p:childTnLst>
+                              <p:par>
+                                <p:cTn id="9" presetID="1" presetClass="entr" presetSubtype="0" fill="hold" nodeType="clickEffect">
+                                  <p:stCondLst>
+                                    <p:cond delay="0"/>
+                                  </p:stCondLst>
+                                  <p:childTnLst>
+                                    <p:set>
+                                      <p:cBhvr>
+                                        <p:cTn id="10" dur="1" fill="hold">
+                                          <p:stCondLst>
+                                            <p:cond delay="0"/>
+                                          </p:stCondLst>
+                                        </p:cTn>
+                                        <p:tgtEl>
+                                          <p:spTgt spid="3">
+                                            <p:txEl>
+                                              <p:pRg st="1" end="1"/>
+                                            </p:txEl>
+                                          </p:spTgt>
+                                        </p:tgtEl>
+                                        <p:attrNameLst>
+                                          <p:attrName>style.visibility</p:attrName>
+                                        </p:attrNameLst>
+                                      </p:cBhvr>
+                                      <p:to>
+                                        <p:strVal val="visible"/>
+                                      </p:to>
+                                    </p:set>
+                                  </p:childTnLst>
+                                </p:cTn>
+                              </p:par>
+                            </p:childTnLst>
+                          </p:cTn>
+                        </p:par>
+                      </p:childTnLst>
+                    </p:cTn>
+                  </p:par>
+                  <p:par>
+                    <p:cTn id="11" fill="hold">
+                      <p:stCondLst>
+                        <p:cond delay="indefinite"/>
+                      </p:stCondLst>
+                      <p:childTnLst>
+                        <p:par>
+                          <p:cTn id="12" fill="hold">
+                            <p:stCondLst>
+                              <p:cond delay="0"/>
+                            </p:stCondLst>
+                            <p:childTnLst>
+                              <p:par>
+                                <p:cTn id="13" presetID="1" presetClass="entr" presetSubtype="0" fill="hold" nodeType="clickEffect">
+                                  <p:stCondLst>
+                                    <p:cond delay="0"/>
+                                  </p:stCondLst>
+                                  <p:childTnLst>
+                                    <p:set>
+                                      <p:cBhvr>
+                                        <p:cTn id="14" dur="1" fill="hold">
+                                          <p:stCondLst>
+                                            <p:cond delay="0"/>
+                                          </p:stCondLst>
+                                        </p:cTn>
+                                        <p:tgtEl>
+                                          <p:spTgt spid="3">
+                                            <p:txEl>
+                                              <p:pRg st="2" end="2"/>
+                                            </p:txEl>
+                                          </p:spTgt>
+                                        </p:tgtEl>
+                                        <p:attrNameLst>
+                                          <p:attrName>style.visibility</p:attrName>
+                                        </p:attrNameLst>
+                                      </p:cBhvr>
+                                      <p:to>
+                                        <p:strVal val="visible"/>
+                                      </p:to>
+                                    </p:set>
+                                  </p:childTnLst>
+                                </p:cTn>
+                              </p:par>
+                            </p:childTnLst>
+                          </p:cTn>
+                        </p:par>
+                      </p:childTnLst>
+                    </p:cTn>
+                  </p:par>
+                  <p:par>
+                    <p:cTn id="15" fill="hold">
+                      <p:stCondLst>
+                        <p:cond delay="indefinite"/>
+                      </p:stCondLst>
+                      <p:childTnLst>
+                        <p:par>
+                          <p:cTn id="16" fill="hold">
+                            <p:stCondLst>
+                              <p:cond delay="0"/>
+                            </p:stCondLst>
+                            <p:childTnLst>
+                              <p:par>
+                                <p:cTn id="17" presetID="1" presetClass="entr" presetSubtype="0" fill="hold" nodeType="clickEffect">
+                                  <p:stCondLst>
+                                    <p:cond delay="0"/>
+                                  </p:stCondLst>
+                                  <p:childTnLst>
+                                    <p:set>
+                                      <p:cBhvr>
+                                        <p:cTn id="18" dur="1" fill="hold">
+                                          <p:stCondLst>
+                                            <p:cond delay="0"/>
+                                          </p:stCondLst>
+                                        </p:cTn>
+                                        <p:tgtEl>
+                                          <p:spTgt spid="3">
+                                            <p:txEl>
+                                              <p:pRg st="3" end="3"/>
+                                            </p:txEl>
+                                          </p:spTgt>
                                         </p:tgtEl>
                                         <p:attrNameLst>
                                           <p:attrName>style.visibility</p:attrName>
